--- a/3.Robot lesson/Lesson 7 Following/Lesson 7 Following(Infrared).pptx
+++ b/3.Robot lesson/Lesson 7 Following/Lesson 7 Following(Infrared).pptx
@@ -30,27 +30,20 @@
       <p:regular r:id="rId18"/>
     </p:embeddedFont>
     <p:embeddedFont>
-      <p:font typeface="Yu Gothic UI Semibold" panose="02010600030101010101" charset="-128"/>
+      <p:font typeface="Yu Gothic UI Semibold" charset="-128"/>
       <p:regular r:id="rId19"/>
     </p:embeddedFont>
     <p:embeddedFont>
-      <p:font typeface="方正卡通简体" panose="02010600030101010101" charset="0"/>
+      <p:font typeface="微软雅黑 Light" charset="-122"/>
       <p:regular r:id="rId20"/>
     </p:embeddedFont>
     <p:embeddedFont>
-      <p:font typeface="方正喵呜体" panose="02010600010101010101" charset="0"/>
+      <p:font typeface="方正喵呜体" charset="0"/>
       <p:regular r:id="rId21"/>
     </p:embeddedFont>
     <p:embeddedFont>
-      <p:font typeface="Calibri" panose="020F0502020204030204" charset="0"/>
+      <p:font typeface="方正卡通简体" charset="0"/>
       <p:regular r:id="rId22"/>
-      <p:bold r:id="rId23"/>
-      <p:italic r:id="rId24"/>
-      <p:boldItalic r:id="rId25"/>
-    </p:embeddedFont>
-    <p:embeddedFont>
-      <p:font typeface="微软雅黑 Light" panose="020B0502040204020203" charset="-122"/>
-      <p:regular r:id="rId26"/>
     </p:embeddedFont>
   </p:embeddedFontLst>
   <p:defaultTextStyle>
@@ -4669,7 +4662,7 @@
         <a:spcBef>
           <a:spcPts val="1000"/>
         </a:spcBef>
-        <a:buFont typeface="Arial" panose="020B0604020202020204" pitchFamily="34" charset="0"/>
+        <a:buFont typeface="Arial" pitchFamily="34" charset="0"/>
         <a:buChar char="•"/>
         <a:defRPr sz="2800" kern="1200">
           <a:solidFill>
@@ -4687,7 +4680,7 @@
         <a:spcBef>
           <a:spcPts val="500"/>
         </a:spcBef>
-        <a:buFont typeface="Arial" panose="020B0604020202020204" pitchFamily="34" charset="0"/>
+        <a:buFont typeface="Arial" pitchFamily="34" charset="0"/>
         <a:buChar char="•"/>
         <a:defRPr sz="2400" kern="1200">
           <a:solidFill>
@@ -4705,7 +4698,7 @@
         <a:spcBef>
           <a:spcPts val="500"/>
         </a:spcBef>
-        <a:buFont typeface="Arial" panose="020B0604020202020204" pitchFamily="34" charset="0"/>
+        <a:buFont typeface="Arial" pitchFamily="34" charset="0"/>
         <a:buChar char="•"/>
         <a:defRPr sz="2000" kern="1200">
           <a:solidFill>
@@ -4723,7 +4716,7 @@
         <a:spcBef>
           <a:spcPts val="500"/>
         </a:spcBef>
-        <a:buFont typeface="Arial" panose="020B0604020202020204" pitchFamily="34" charset="0"/>
+        <a:buFont typeface="Arial" pitchFamily="34" charset="0"/>
         <a:buChar char="•"/>
         <a:defRPr sz="1800" kern="1200">
           <a:solidFill>
@@ -4741,7 +4734,7 @@
         <a:spcBef>
           <a:spcPts val="500"/>
         </a:spcBef>
-        <a:buFont typeface="Arial" panose="020B0604020202020204" pitchFamily="34" charset="0"/>
+        <a:buFont typeface="Arial" pitchFamily="34" charset="0"/>
         <a:buChar char="•"/>
         <a:defRPr sz="1800" kern="1200">
           <a:solidFill>
@@ -4759,7 +4752,7 @@
         <a:spcBef>
           <a:spcPts val="500"/>
         </a:spcBef>
-        <a:buFont typeface="Arial" panose="020B0604020202020204" pitchFamily="34" charset="0"/>
+        <a:buFont typeface="Arial" pitchFamily="34" charset="0"/>
         <a:buChar char="•"/>
         <a:defRPr sz="1800" kern="1200">
           <a:solidFill>
@@ -4777,7 +4770,7 @@
         <a:spcBef>
           <a:spcPts val="500"/>
         </a:spcBef>
-        <a:buFont typeface="Arial" panose="020B0604020202020204" pitchFamily="34" charset="0"/>
+        <a:buFont typeface="Arial" pitchFamily="34" charset="0"/>
         <a:buChar char="•"/>
         <a:defRPr sz="1800" kern="1200">
           <a:solidFill>
@@ -4795,7 +4788,7 @@
         <a:spcBef>
           <a:spcPts val="500"/>
         </a:spcBef>
-        <a:buFont typeface="Arial" panose="020B0604020202020204" pitchFamily="34" charset="0"/>
+        <a:buFont typeface="Arial" pitchFamily="34" charset="0"/>
         <a:buChar char="•"/>
         <a:defRPr sz="1800" kern="1200">
           <a:solidFill>
@@ -4813,7 +4806,7 @@
         <a:spcBef>
           <a:spcPts val="500"/>
         </a:spcBef>
-        <a:buFont typeface="Arial" panose="020B0604020202020204" pitchFamily="34" charset="0"/>
+        <a:buFont typeface="Arial" pitchFamily="34" charset="0"/>
         <a:buChar char="•"/>
         <a:defRPr sz="1800" kern="1200">
           <a:solidFill>
@@ -5795,8 +5788,8 @@
                 <a:solidFill>
                   <a:schemeClr val="bg1"/>
                 </a:solidFill>
-                <a:latin typeface="Arial" panose="020B0604020202020204" pitchFamily="34" charset="0"/>
-                <a:ea typeface="Arial" panose="020B0604020202020204" pitchFamily="34" charset="0"/>
+                <a:latin typeface="Arial" pitchFamily="34" charset="0"/>
+                <a:ea typeface="Arial" pitchFamily="34" charset="0"/>
                 <a:sym typeface="+mn-ea"/>
               </a:rPr>
               <a:t> </a:t>
@@ -5806,8 +5799,8 @@
                 <a:solidFill>
                   <a:schemeClr val="bg1"/>
                 </a:solidFill>
-                <a:latin typeface="Arial" panose="020B0604020202020204" pitchFamily="34" charset="0"/>
-                <a:ea typeface="Arial" panose="020B0604020202020204" pitchFamily="34" charset="0"/>
+                <a:latin typeface="Arial" pitchFamily="34" charset="0"/>
+                <a:ea typeface="Arial" pitchFamily="34" charset="0"/>
                 <a:sym typeface="+mn-ea"/>
               </a:rPr>
               <a:t>YahBoom     </a:t>
@@ -5817,8 +5810,8 @@
                 <a:solidFill>
                   <a:schemeClr val="bg1"/>
                 </a:solidFill>
-                <a:latin typeface="Arial" panose="020B0604020202020204" pitchFamily="34" charset="0"/>
-                <a:ea typeface="Arial" panose="020B0604020202020204" pitchFamily="34" charset="0"/>
+                <a:latin typeface="Arial" pitchFamily="34" charset="0"/>
+                <a:ea typeface="Arial" pitchFamily="34" charset="0"/>
                 <a:sym typeface="+mn-ea"/>
               </a:rPr>
               <a:t>micro:bit</a:t>
@@ -5828,8 +5821,8 @@
                 <a:solidFill>
                   <a:schemeClr val="bg1"/>
                 </a:solidFill>
-                <a:latin typeface="Arial" panose="020B0604020202020204" pitchFamily="34" charset="0"/>
-                <a:ea typeface="Arial" panose="020B0604020202020204" pitchFamily="34" charset="0"/>
+                <a:latin typeface="Arial" pitchFamily="34" charset="0"/>
+                <a:ea typeface="Arial" pitchFamily="34" charset="0"/>
                 <a:sym typeface="+mn-ea"/>
               </a:rPr>
               <a:t> video tutorial</a:t>
@@ -6130,8 +6123,8 @@
                     </a:srgbClr>
                   </a:outerShdw>
                 </a:effectLst>
-                <a:latin typeface="Arial" panose="020B0604020202020204" pitchFamily="34" charset="0"/>
-                <a:ea typeface="Arial" panose="020B0604020202020204" pitchFamily="34" charset="0"/>
+                <a:latin typeface="Arial" pitchFamily="34" charset="0"/>
+                <a:ea typeface="Arial" pitchFamily="34" charset="0"/>
               </a:rPr>
               <a:t>Lesson 7</a:t>
             </a:r>
@@ -6146,8 +6139,8 @@
                   </a:srgbClr>
                 </a:outerShdw>
               </a:effectLst>
-              <a:latin typeface="Arial" panose="020B0604020202020204" pitchFamily="34" charset="0"/>
-              <a:ea typeface="Arial" panose="020B0604020202020204" pitchFamily="34" charset="0"/>
+              <a:latin typeface="Arial" pitchFamily="34" charset="0"/>
+              <a:ea typeface="Arial" pitchFamily="34" charset="0"/>
             </a:endParaRPr>
           </a:p>
         </p:txBody>
@@ -6187,8 +6180,8 @@
                     </a:srgbClr>
                   </a:outerShdw>
                 </a:effectLst>
-                <a:latin typeface="Arial" panose="020B0604020202020204" pitchFamily="34" charset="0"/>
-                <a:ea typeface="Arial" panose="020B0604020202020204" pitchFamily="34" charset="0"/>
+                <a:latin typeface="Arial" pitchFamily="34" charset="0"/>
+                <a:ea typeface="Arial" pitchFamily="34" charset="0"/>
               </a:rPr>
               <a:t>micro:bit</a:t>
             </a:r>
@@ -6204,8 +6197,8 @@
                     </a:srgbClr>
                   </a:outerShdw>
                 </a:effectLst>
-                <a:latin typeface="Arial" panose="020B0604020202020204" pitchFamily="34" charset="0"/>
-                <a:ea typeface="Arial" panose="020B0604020202020204" pitchFamily="34" charset="0"/>
+                <a:latin typeface="Arial" pitchFamily="34" charset="0"/>
+                <a:ea typeface="Arial" pitchFamily="34" charset="0"/>
                 <a:sym typeface="+mn-ea"/>
               </a:rPr>
               <a:t> </a:t>
@@ -6222,8 +6215,8 @@
                     </a:srgbClr>
                   </a:outerShdw>
                 </a:effectLst>
-                <a:latin typeface="Arial" panose="020B0604020202020204" pitchFamily="34" charset="0"/>
-                <a:ea typeface="Arial" panose="020B0604020202020204" pitchFamily="34" charset="0"/>
+                <a:latin typeface="Arial" pitchFamily="34" charset="0"/>
+                <a:ea typeface="Arial" pitchFamily="34" charset="0"/>
                 <a:sym typeface="+mn-ea"/>
               </a:rPr>
               <a:t>robot lesson 7 “Following”</a:t>
@@ -6239,8 +6232,8 @@
                   </a:srgbClr>
                 </a:outerShdw>
               </a:effectLst>
-              <a:latin typeface="Arial" panose="020B0604020202020204" pitchFamily="34" charset="0"/>
-              <a:ea typeface="Arial" panose="020B0604020202020204" pitchFamily="34" charset="0"/>
+              <a:latin typeface="Arial" pitchFamily="34" charset="0"/>
+              <a:ea typeface="Arial" pitchFamily="34" charset="0"/>
             </a:endParaRPr>
           </a:p>
         </p:txBody>
@@ -6506,8 +6499,8 @@
                 <a:solidFill>
                   <a:schemeClr val="bg1"/>
                 </a:solidFill>
-                <a:latin typeface="Arial" panose="020B0604020202020204" pitchFamily="34" charset="0"/>
-                <a:ea typeface="Arial" panose="020B0604020202020204" pitchFamily="34" charset="0"/>
+                <a:latin typeface="Arial" pitchFamily="34" charset="0"/>
+                <a:ea typeface="Arial" pitchFamily="34" charset="0"/>
               </a:rPr>
               <a:t>      </a:t>
             </a:r>
@@ -6516,8 +6509,8 @@
                 <a:solidFill>
                   <a:schemeClr val="bg1"/>
                 </a:solidFill>
-                <a:latin typeface="Arial" panose="020B0604020202020204" pitchFamily="34" charset="0"/>
-                <a:ea typeface="Arial" panose="020B0604020202020204" pitchFamily="34" charset="0"/>
+                <a:latin typeface="Arial" pitchFamily="34" charset="0"/>
+                <a:ea typeface="Arial" pitchFamily="34" charset="0"/>
               </a:rPr>
               <a:t>               </a:t>
             </a:r>
@@ -6526,8 +6519,8 @@
                 <a:solidFill>
                   <a:schemeClr val="bg1"/>
                 </a:solidFill>
-                <a:latin typeface="Arial" panose="020B0604020202020204" pitchFamily="34" charset="0"/>
-                <a:ea typeface="Arial" panose="020B0604020202020204" pitchFamily="34" charset="0"/>
+                <a:latin typeface="Arial" pitchFamily="34" charset="0"/>
+                <a:ea typeface="Arial" pitchFamily="34" charset="0"/>
               </a:rPr>
               <a:t>micro:bit</a:t>
             </a:r>
@@ -6536,8 +6529,8 @@
                 <a:solidFill>
                   <a:schemeClr val="bg1"/>
                 </a:solidFill>
-                <a:latin typeface="Arial" panose="020B0604020202020204" pitchFamily="34" charset="0"/>
-                <a:ea typeface="Arial" panose="020B0604020202020204" pitchFamily="34" charset="0"/>
+                <a:latin typeface="Arial" pitchFamily="34" charset="0"/>
+                <a:ea typeface="Arial" pitchFamily="34" charset="0"/>
                 <a:sym typeface="+mn-ea"/>
               </a:rPr>
               <a:t> robot entry tutorial</a:t>
@@ -6545,20 +6538,20 @@
             <a:r>
               <a:rPr lang="zh-CN" altLang="en-US" sz="2800">
                 <a:latin typeface="icomoon" charset="0"/>
-                <a:ea typeface="Yu Gothic UI Semibold" panose="02010600030101010101" charset="-128"/>
+                <a:ea typeface="Yu Gothic UI Semibold" charset="-128"/>
               </a:rPr>
               <a:t>          </a:t>
             </a:r>
             <a:r>
               <a:rPr lang="zh-CN" altLang="en-US" sz="2800" u="sng">
                 <a:latin typeface="icomoon" charset="0"/>
-                <a:ea typeface="Yu Gothic UI Semibold" panose="02010600030101010101" charset="-128"/>
+                <a:ea typeface="Yu Gothic UI Semibold" charset="-128"/>
               </a:rPr>
               <a:t>                     </a:t>
             </a:r>
             <a:endParaRPr lang="zh-CN" altLang="en-US" sz="2800" u="sng">
               <a:latin typeface="icomoon" charset="0"/>
-              <a:ea typeface="Yu Gothic UI Semibold" panose="02010600030101010101" charset="-128"/>
+              <a:ea typeface="Yu Gothic UI Semibold" charset="-128"/>
             </a:endParaRPr>
           </a:p>
         </p:txBody>
@@ -7725,8 +7718,8 @@
                     <a:lumMod val="75000"/>
                   </a:schemeClr>
                 </a:solidFill>
-                <a:latin typeface="Arial" panose="020B0604020202020204" pitchFamily="34" charset="0"/>
-                <a:ea typeface="Arial" panose="020B0604020202020204" pitchFamily="34" charset="0"/>
+                <a:latin typeface="Arial" pitchFamily="34" charset="0"/>
+                <a:ea typeface="Arial" pitchFamily="34" charset="0"/>
               </a:rPr>
               <a:t>robot</a:t>
             </a:r>
@@ -7736,8 +7729,8 @@
                   <a:lumMod val="75000"/>
                 </a:schemeClr>
               </a:solidFill>
-              <a:latin typeface="Arial" panose="020B0604020202020204" pitchFamily="34" charset="0"/>
-              <a:ea typeface="Arial" panose="020B0604020202020204" pitchFamily="34" charset="0"/>
+              <a:latin typeface="Arial" pitchFamily="34" charset="0"/>
+              <a:ea typeface="Arial" pitchFamily="34" charset="0"/>
             </a:endParaRPr>
           </a:p>
           <a:p>
@@ -7749,8 +7742,8 @@
                     <a:lumMod val="75000"/>
                   </a:schemeClr>
                 </a:solidFill>
-                <a:latin typeface="Arial" panose="020B0604020202020204" pitchFamily="34" charset="0"/>
-                <a:ea typeface="Arial" panose="020B0604020202020204" pitchFamily="34" charset="0"/>
+                <a:latin typeface="Arial" pitchFamily="34" charset="0"/>
+                <a:ea typeface="Arial" pitchFamily="34" charset="0"/>
               </a:rPr>
               <a:t>lesson</a:t>
             </a:r>
@@ -7760,8 +7753,8 @@
                   <a:lumMod val="75000"/>
                 </a:schemeClr>
               </a:solidFill>
-              <a:latin typeface="Arial" panose="020B0604020202020204" pitchFamily="34" charset="0"/>
-              <a:ea typeface="Arial" panose="020B0604020202020204" pitchFamily="34" charset="0"/>
+              <a:latin typeface="Arial" pitchFamily="34" charset="0"/>
+              <a:ea typeface="Arial" pitchFamily="34" charset="0"/>
             </a:endParaRPr>
           </a:p>
         </p:txBody>
@@ -8016,8 +8009,8 @@
                 <a:solidFill>
                   <a:schemeClr val="bg1"/>
                 </a:solidFill>
-                <a:latin typeface="Arial" panose="020B0604020202020204" pitchFamily="34" charset="0"/>
-                <a:ea typeface="Arial" panose="020B0604020202020204" pitchFamily="34" charset="0"/>
+                <a:latin typeface="Arial" pitchFamily="34" charset="0"/>
+                <a:ea typeface="Arial" pitchFamily="34" charset="0"/>
               </a:rPr>
               <a:t>                </a:t>
             </a:r>
@@ -8026,8 +8019,8 @@
                 <a:solidFill>
                   <a:schemeClr val="bg1"/>
                 </a:solidFill>
-                <a:latin typeface="Arial" panose="020B0604020202020204" pitchFamily="34" charset="0"/>
-                <a:ea typeface="Arial" panose="020B0604020202020204" pitchFamily="34" charset="0"/>
+                <a:latin typeface="Arial" pitchFamily="34" charset="0"/>
+                <a:ea typeface="Arial" pitchFamily="34" charset="0"/>
               </a:rPr>
               <a:t>             </a:t>
             </a:r>
@@ -8036,8 +8029,8 @@
                 <a:solidFill>
                   <a:schemeClr val="bg1"/>
                 </a:solidFill>
-                <a:latin typeface="Arial" panose="020B0604020202020204" pitchFamily="34" charset="0"/>
-                <a:ea typeface="Arial" panose="020B0604020202020204" pitchFamily="34" charset="0"/>
+                <a:latin typeface="Arial" pitchFamily="34" charset="0"/>
+                <a:ea typeface="Arial" pitchFamily="34" charset="0"/>
               </a:rPr>
               <a:t>micro:bit</a:t>
             </a:r>
@@ -8046,8 +8039,8 @@
                 <a:solidFill>
                   <a:schemeClr val="bg1"/>
                 </a:solidFill>
-                <a:latin typeface="Arial" panose="020B0604020202020204" pitchFamily="34" charset="0"/>
-                <a:ea typeface="Arial" panose="020B0604020202020204" pitchFamily="34" charset="0"/>
+                <a:latin typeface="Arial" pitchFamily="34" charset="0"/>
+                <a:ea typeface="Arial" pitchFamily="34" charset="0"/>
                 <a:sym typeface="+mn-ea"/>
               </a:rPr>
               <a:t> robot entry tutorial</a:t>
@@ -8057,21 +8050,21 @@
                 <a:solidFill>
                   <a:schemeClr val="bg1"/>
                 </a:solidFill>
-                <a:latin typeface="Arial" panose="020B0604020202020204" pitchFamily="34" charset="0"/>
-                <a:ea typeface="Arial" panose="020B0604020202020204" pitchFamily="34" charset="0"/>
+                <a:latin typeface="Arial" pitchFamily="34" charset="0"/>
+                <a:ea typeface="Arial" pitchFamily="34" charset="0"/>
               </a:rPr>
               <a:t> </a:t>
             </a:r>
             <a:r>
               <a:rPr lang="zh-CN" altLang="en-US" sz="2800" u="sng">
                 <a:latin typeface="icomoon" charset="0"/>
-                <a:ea typeface="Yu Gothic UI Semibold" panose="02010600030101010101" charset="-128"/>
+                <a:ea typeface="Yu Gothic UI Semibold" charset="-128"/>
               </a:rPr>
               <a:t>                                </a:t>
             </a:r>
             <a:endParaRPr lang="zh-CN" altLang="en-US" sz="2800" u="sng">
               <a:latin typeface="icomoon" charset="0"/>
-              <a:ea typeface="Yu Gothic UI Semibold" panose="02010600030101010101" charset="-128"/>
+              <a:ea typeface="Yu Gothic UI Semibold" charset="-128"/>
             </a:endParaRPr>
           </a:p>
         </p:txBody>
@@ -8471,8 +8464,8 @@
                 <a:solidFill>
                   <a:schemeClr val="bg1"/>
                 </a:solidFill>
-                <a:latin typeface="Arial" panose="020B0604020202020204" pitchFamily="34" charset="0"/>
-                <a:ea typeface="Arial" panose="020B0604020202020204" pitchFamily="34" charset="0"/>
+                <a:latin typeface="Arial" pitchFamily="34" charset="0"/>
+                <a:ea typeface="Arial" pitchFamily="34" charset="0"/>
                 <a:sym typeface="+mn-ea"/>
               </a:rPr>
               <a:t> </a:t>
@@ -8482,8 +8475,8 @@
                 <a:solidFill>
                   <a:schemeClr val="bg1"/>
                 </a:solidFill>
-                <a:latin typeface="Arial" panose="020B0604020202020204" pitchFamily="34" charset="0"/>
-                <a:ea typeface="Arial" panose="020B0604020202020204" pitchFamily="34" charset="0"/>
+                <a:latin typeface="Arial" pitchFamily="34" charset="0"/>
+                <a:ea typeface="Arial" pitchFamily="34" charset="0"/>
                 <a:sym typeface="+mn-ea"/>
               </a:rPr>
               <a:t>YahBoom     </a:t>
@@ -8493,8 +8486,8 @@
                 <a:solidFill>
                   <a:schemeClr val="bg1"/>
                 </a:solidFill>
-                <a:latin typeface="Arial" panose="020B0604020202020204" pitchFamily="34" charset="0"/>
-                <a:ea typeface="Arial" panose="020B0604020202020204" pitchFamily="34" charset="0"/>
+                <a:latin typeface="Arial" pitchFamily="34" charset="0"/>
+                <a:ea typeface="Arial" pitchFamily="34" charset="0"/>
                 <a:sym typeface="+mn-ea"/>
               </a:rPr>
               <a:t>micro:bit</a:t>
@@ -8504,8 +8497,8 @@
                 <a:solidFill>
                   <a:schemeClr val="bg1"/>
                 </a:solidFill>
-                <a:latin typeface="Arial" panose="020B0604020202020204" pitchFamily="34" charset="0"/>
-                <a:ea typeface="Arial" panose="020B0604020202020204" pitchFamily="34" charset="0"/>
+                <a:latin typeface="Arial" pitchFamily="34" charset="0"/>
+                <a:ea typeface="Arial" pitchFamily="34" charset="0"/>
                 <a:sym typeface="+mn-ea"/>
               </a:rPr>
               <a:t> video tutorial</a:t>
@@ -8566,8 +8559,8 @@
                     <a:lumMod val="75000"/>
                   </a:schemeClr>
                 </a:solidFill>
-                <a:latin typeface="Arial" panose="020B0604020202020204" pitchFamily="34" charset="0"/>
-                <a:ea typeface="Arial" panose="020B0604020202020204" pitchFamily="34" charset="0"/>
+                <a:latin typeface="Arial" pitchFamily="34" charset="0"/>
+                <a:ea typeface="Arial" pitchFamily="34" charset="0"/>
               </a:rPr>
               <a:t>Powered by  </a:t>
             </a:r>
@@ -8578,8 +8571,8 @@
                     <a:lumMod val="75000"/>
                   </a:schemeClr>
                 </a:solidFill>
-                <a:latin typeface="Arial" panose="020B0604020202020204" pitchFamily="34" charset="0"/>
-                <a:ea typeface="Arial" panose="020B0604020202020204" pitchFamily="34" charset="0"/>
+                <a:latin typeface="Arial" pitchFamily="34" charset="0"/>
+                <a:ea typeface="Arial" pitchFamily="34" charset="0"/>
               </a:rPr>
               <a:t>YahBoom</a:t>
             </a:r>
@@ -8589,8 +8582,8 @@
                   <a:lumMod val="75000"/>
                 </a:schemeClr>
               </a:solidFill>
-              <a:latin typeface="Arial" panose="020B0604020202020204" pitchFamily="34" charset="0"/>
-              <a:ea typeface="Arial" panose="020B0604020202020204" pitchFamily="34" charset="0"/>
+              <a:latin typeface="Arial" pitchFamily="34" charset="0"/>
+              <a:ea typeface="Arial" pitchFamily="34" charset="0"/>
             </a:endParaRPr>
           </a:p>
         </p:txBody>
@@ -8624,8 +8617,8 @@
                     <a:lumMod val="75000"/>
                   </a:schemeClr>
                 </a:solidFill>
-                <a:latin typeface="Arial" panose="020B0604020202020204" pitchFamily="34" charset="0"/>
-                <a:ea typeface="Arial" panose="020B0604020202020204" pitchFamily="34" charset="0"/>
+                <a:latin typeface="Arial" pitchFamily="34" charset="0"/>
+                <a:ea typeface="Arial" pitchFamily="34" charset="0"/>
               </a:rPr>
               <a:t>Thanks for watching！</a:t>
             </a:r>
@@ -8635,8 +8628,8 @@
                   <a:lumMod val="75000"/>
                 </a:schemeClr>
               </a:solidFill>
-              <a:latin typeface="Arial" panose="020B0604020202020204" pitchFamily="34" charset="0"/>
-              <a:ea typeface="Arial" panose="020B0604020202020204" pitchFamily="34" charset="0"/>
+              <a:latin typeface="Arial" pitchFamily="34" charset="0"/>
+              <a:ea typeface="Arial" pitchFamily="34" charset="0"/>
             </a:endParaRPr>
           </a:p>
         </p:txBody>
@@ -10144,14 +10137,14 @@
             <a:p>
               <a:r>
                 <a:rPr lang="en-US" altLang="zh-CN" dirty="0" smtClean="0">
-                  <a:latin typeface="Arial" panose="020B0604020202020204" pitchFamily="34" charset="0"/>
-                  <a:ea typeface="Arial" panose="020B0604020202020204" pitchFamily="34" charset="0"/>
+                  <a:latin typeface="Arial" pitchFamily="34" charset="0"/>
+                  <a:ea typeface="Arial" pitchFamily="34" charset="0"/>
                 </a:rPr>
                 <a:t>Part1</a:t>
               </a:r>
               <a:endParaRPr lang="en-US" altLang="zh-CN" dirty="0" smtClean="0">
-                <a:latin typeface="Arial" panose="020B0604020202020204" pitchFamily="34" charset="0"/>
-                <a:ea typeface="Arial" panose="020B0604020202020204" pitchFamily="34" charset="0"/>
+                <a:latin typeface="Arial" pitchFamily="34" charset="0"/>
+                <a:ea typeface="Arial" pitchFamily="34" charset="0"/>
               </a:endParaRPr>
             </a:p>
           </p:txBody>
@@ -10185,14 +10178,14 @@
             <a:p>
               <a:r>
                 <a:rPr lang="en-US" altLang="zh-CN" dirty="0" smtClean="0">
-                  <a:latin typeface="Arial" panose="020B0604020202020204" pitchFamily="34" charset="0"/>
-                  <a:ea typeface="Arial" panose="020B0604020202020204" pitchFamily="34" charset="0"/>
+                  <a:latin typeface="Arial" pitchFamily="34" charset="0"/>
+                  <a:ea typeface="Arial" pitchFamily="34" charset="0"/>
                 </a:rPr>
                 <a:t>Part 2</a:t>
               </a:r>
               <a:endParaRPr lang="zh-CN" altLang="en-US" dirty="0">
-                <a:latin typeface="Arial" panose="020B0604020202020204" pitchFamily="34" charset="0"/>
-                <a:ea typeface="Arial" panose="020B0604020202020204" pitchFamily="34" charset="0"/>
+                <a:latin typeface="Arial" pitchFamily="34" charset="0"/>
+                <a:ea typeface="Arial" pitchFamily="34" charset="0"/>
               </a:endParaRPr>
             </a:p>
           </p:txBody>
@@ -10226,14 +10219,14 @@
             <a:p>
               <a:r>
                 <a:rPr lang="en-US" altLang="zh-CN" dirty="0" smtClean="0">
-                  <a:latin typeface="Arial" panose="020B0604020202020204" pitchFamily="34" charset="0"/>
-                  <a:ea typeface="Arial" panose="020B0604020202020204" pitchFamily="34" charset="0"/>
+                  <a:latin typeface="Arial" pitchFamily="34" charset="0"/>
+                  <a:ea typeface="Arial" pitchFamily="34" charset="0"/>
                 </a:rPr>
                 <a:t>Part3</a:t>
               </a:r>
               <a:endParaRPr lang="zh-CN" altLang="en-US" dirty="0">
-                <a:latin typeface="Arial" panose="020B0604020202020204" pitchFamily="34" charset="0"/>
-                <a:ea typeface="Arial" panose="020B0604020202020204" pitchFamily="34" charset="0"/>
+                <a:latin typeface="Arial" pitchFamily="34" charset="0"/>
+                <a:ea typeface="Arial" pitchFamily="34" charset="0"/>
               </a:endParaRPr>
             </a:p>
           </p:txBody>
@@ -10267,14 +10260,14 @@
             <a:p>
               <a:r>
                 <a:rPr lang="en-US" altLang="zh-CN" dirty="0" smtClean="0">
-                  <a:latin typeface="Arial" panose="020B0604020202020204" pitchFamily="34" charset="0"/>
-                  <a:ea typeface="Arial" panose="020B0604020202020204" pitchFamily="34" charset="0"/>
+                  <a:latin typeface="Arial" pitchFamily="34" charset="0"/>
+                  <a:ea typeface="Arial" pitchFamily="34" charset="0"/>
                 </a:rPr>
                 <a:t>Part 4</a:t>
               </a:r>
               <a:endParaRPr lang="zh-CN" altLang="en-US" dirty="0">
-                <a:latin typeface="Arial" panose="020B0604020202020204" pitchFamily="34" charset="0"/>
-                <a:ea typeface="Arial" panose="020B0604020202020204" pitchFamily="34" charset="0"/>
+                <a:latin typeface="Arial" pitchFamily="34" charset="0"/>
+                <a:ea typeface="Arial" pitchFamily="34" charset="0"/>
               </a:endParaRPr>
             </a:p>
           </p:txBody>
@@ -10306,8 +10299,8 @@
                 <a:solidFill>
                   <a:schemeClr val="bg1"/>
                 </a:solidFill>
-                <a:latin typeface="Arial" panose="020B0604020202020204" pitchFamily="34" charset="0"/>
-                <a:ea typeface="Arial" panose="020B0604020202020204" pitchFamily="34" charset="0"/>
+                <a:latin typeface="Arial" pitchFamily="34" charset="0"/>
+                <a:ea typeface="Arial" pitchFamily="34" charset="0"/>
               </a:rPr>
               <a:t>      </a:t>
             </a:r>
@@ -10316,8 +10309,8 @@
                 <a:solidFill>
                   <a:schemeClr val="bg1"/>
                 </a:solidFill>
-                <a:latin typeface="Arial" panose="020B0604020202020204" pitchFamily="34" charset="0"/>
-                <a:ea typeface="Arial" panose="020B0604020202020204" pitchFamily="34" charset="0"/>
+                <a:latin typeface="Arial" pitchFamily="34" charset="0"/>
+                <a:ea typeface="Arial" pitchFamily="34" charset="0"/>
               </a:rPr>
               <a:t>                    </a:t>
             </a:r>
@@ -10326,8 +10319,8 @@
                 <a:solidFill>
                   <a:schemeClr val="bg1"/>
                 </a:solidFill>
-                <a:latin typeface="Arial" panose="020B0604020202020204" pitchFamily="34" charset="0"/>
-                <a:ea typeface="Arial" panose="020B0604020202020204" pitchFamily="34" charset="0"/>
+                <a:latin typeface="Arial" pitchFamily="34" charset="0"/>
+                <a:ea typeface="Arial" pitchFamily="34" charset="0"/>
               </a:rPr>
               <a:t>micro:bit</a:t>
             </a:r>
@@ -10336,8 +10329,8 @@
                 <a:solidFill>
                   <a:schemeClr val="bg1"/>
                 </a:solidFill>
-                <a:latin typeface="Arial" panose="020B0604020202020204" pitchFamily="34" charset="0"/>
-                <a:ea typeface="Arial" panose="020B0604020202020204" pitchFamily="34" charset="0"/>
+                <a:latin typeface="Arial" pitchFamily="34" charset="0"/>
+                <a:ea typeface="Arial" pitchFamily="34" charset="0"/>
                 <a:sym typeface="+mn-ea"/>
               </a:rPr>
               <a:t> robot entry tutorial</a:t>
@@ -10347,21 +10340,21 @@
                 <a:solidFill>
                   <a:schemeClr val="bg1"/>
                 </a:solidFill>
-                <a:latin typeface="Arial" panose="020B0604020202020204" pitchFamily="34" charset="0"/>
-                <a:ea typeface="Arial" panose="020B0604020202020204" pitchFamily="34" charset="0"/>
+                <a:latin typeface="Arial" pitchFamily="34" charset="0"/>
+                <a:ea typeface="Arial" pitchFamily="34" charset="0"/>
               </a:rPr>
               <a:t> </a:t>
             </a:r>
             <a:r>
               <a:rPr lang="zh-CN" altLang="en-US" sz="2800" u="sng">
                 <a:latin typeface="icomoon" charset="0"/>
-                <a:ea typeface="Yu Gothic UI Semibold" panose="02010600030101010101" charset="-128"/>
+                <a:ea typeface="Yu Gothic UI Semibold" charset="-128"/>
               </a:rPr>
               <a:t>                                </a:t>
             </a:r>
             <a:endParaRPr lang="zh-CN" altLang="en-US" sz="2800" u="sng">
               <a:latin typeface="icomoon" charset="0"/>
-              <a:ea typeface="Yu Gothic UI Semibold" panose="02010600030101010101" charset="-128"/>
+              <a:ea typeface="Yu Gothic UI Semibold" charset="-128"/>
             </a:endParaRPr>
           </a:p>
         </p:txBody>
@@ -10761,8 +10754,8 @@
                 <a:solidFill>
                   <a:schemeClr val="bg1"/>
                 </a:solidFill>
-                <a:latin typeface="Arial" panose="020B0604020202020204" pitchFamily="34" charset="0"/>
-                <a:ea typeface="Arial" panose="020B0604020202020204" pitchFamily="34" charset="0"/>
+                <a:latin typeface="Arial" pitchFamily="34" charset="0"/>
+                <a:ea typeface="Arial" pitchFamily="34" charset="0"/>
                 <a:sym typeface="+mn-ea"/>
               </a:rPr>
               <a:t> </a:t>
@@ -10772,8 +10765,8 @@
                 <a:solidFill>
                   <a:schemeClr val="bg1"/>
                 </a:solidFill>
-                <a:latin typeface="Arial" panose="020B0604020202020204" pitchFamily="34" charset="0"/>
-                <a:ea typeface="Arial" panose="020B0604020202020204" pitchFamily="34" charset="0"/>
+                <a:latin typeface="Arial" pitchFamily="34" charset="0"/>
+                <a:ea typeface="Arial" pitchFamily="34" charset="0"/>
                 <a:sym typeface="+mn-ea"/>
               </a:rPr>
               <a:t>YahBoom      </a:t>
@@ -10783,8 +10776,8 @@
                 <a:solidFill>
                   <a:schemeClr val="bg1"/>
                 </a:solidFill>
-                <a:latin typeface="Arial" panose="020B0604020202020204" pitchFamily="34" charset="0"/>
-                <a:ea typeface="Arial" panose="020B0604020202020204" pitchFamily="34" charset="0"/>
+                <a:latin typeface="Arial" pitchFamily="34" charset="0"/>
+                <a:ea typeface="Arial" pitchFamily="34" charset="0"/>
                 <a:sym typeface="+mn-ea"/>
               </a:rPr>
               <a:t>micro:bit</a:t>
@@ -10794,8 +10787,8 @@
                 <a:solidFill>
                   <a:schemeClr val="bg1"/>
                 </a:solidFill>
-                <a:latin typeface="Arial" panose="020B0604020202020204" pitchFamily="34" charset="0"/>
-                <a:ea typeface="Arial" panose="020B0604020202020204" pitchFamily="34" charset="0"/>
+                <a:latin typeface="Arial" pitchFamily="34" charset="0"/>
+                <a:ea typeface="Arial" pitchFamily="34" charset="0"/>
                 <a:sym typeface="+mn-ea"/>
               </a:rPr>
               <a:t> video tutorial</a:t>
@@ -10857,8 +10850,8 @@
                     <a:lumMod val="75000"/>
                   </a:schemeClr>
                 </a:solidFill>
-                <a:latin typeface="Arial" panose="020B0604020202020204" pitchFamily="34" charset="0"/>
-                <a:ea typeface="Arial" panose="020B0604020202020204" pitchFamily="34" charset="0"/>
+                <a:latin typeface="Arial" pitchFamily="34" charset="0"/>
+                <a:ea typeface="Arial" pitchFamily="34" charset="0"/>
               </a:rPr>
               <a:t>C</a:t>
             </a:r>
@@ -10869,8 +10862,8 @@
                     <a:lumMod val="75000"/>
                   </a:schemeClr>
                 </a:solidFill>
-                <a:latin typeface="Arial" panose="020B0604020202020204" pitchFamily="34" charset="0"/>
-                <a:ea typeface="Arial" panose="020B0604020202020204" pitchFamily="34" charset="0"/>
+                <a:latin typeface="Arial" pitchFamily="34" charset="0"/>
+                <a:ea typeface="Arial" pitchFamily="34" charset="0"/>
               </a:rPr>
               <a:t>ontent</a:t>
             </a:r>
@@ -10880,8 +10873,8 @@
                   <a:lumMod val="75000"/>
                 </a:schemeClr>
               </a:solidFill>
-              <a:latin typeface="Arial" panose="020B0604020202020204" pitchFamily="34" charset="0"/>
-              <a:ea typeface="Arial" panose="020B0604020202020204" pitchFamily="34" charset="0"/>
+              <a:latin typeface="Arial" pitchFamily="34" charset="0"/>
+              <a:ea typeface="Arial" pitchFamily="34" charset="0"/>
             </a:endParaRPr>
           </a:p>
         </p:txBody>
@@ -10913,8 +10906,8 @@
                 <a:solidFill>
                   <a:srgbClr val="0070C0"/>
                 </a:solidFill>
-                <a:latin typeface="Arial" panose="020B0604020202020204" pitchFamily="34" charset="0"/>
-                <a:ea typeface="Arial" panose="020B0604020202020204" pitchFamily="34" charset="0"/>
+                <a:latin typeface="Arial" pitchFamily="34" charset="0"/>
+                <a:ea typeface="Arial" pitchFamily="34" charset="0"/>
                 <a:hlinkClick r:id="rId3" action="ppaction://hlinksldjump"/>
               </a:rPr>
               <a:t>Learning goals</a:t>
@@ -10923,8 +10916,8 @@
               <a:solidFill>
                 <a:srgbClr val="0070C0"/>
               </a:solidFill>
-              <a:latin typeface="Arial" panose="020B0604020202020204" pitchFamily="34" charset="0"/>
-              <a:ea typeface="Arial" panose="020B0604020202020204" pitchFamily="34" charset="0"/>
+              <a:latin typeface="Arial" pitchFamily="34" charset="0"/>
+              <a:ea typeface="Arial" pitchFamily="34" charset="0"/>
             </a:endParaRPr>
           </a:p>
         </p:txBody>
@@ -10958,8 +10951,8 @@
                     <a:lumMod val="75000"/>
                   </a:schemeClr>
                 </a:solidFill>
-                <a:latin typeface="Arial" panose="020B0604020202020204" pitchFamily="34" charset="0"/>
-                <a:ea typeface="Arial" panose="020B0604020202020204" pitchFamily="34" charset="0"/>
+                <a:latin typeface="Arial" pitchFamily="34" charset="0"/>
+                <a:ea typeface="Arial" pitchFamily="34" charset="0"/>
                 <a:sym typeface="+mn-ea"/>
                 <a:hlinkClick r:id="rId3" action="ppaction://hlinksldjump"/>
               </a:rPr>
@@ -10971,8 +10964,8 @@
                   <a:lumMod val="75000"/>
                 </a:schemeClr>
               </a:solidFill>
-              <a:latin typeface="Arial" panose="020B0604020202020204" pitchFamily="34" charset="0"/>
-              <a:ea typeface="Arial" panose="020B0604020202020204" pitchFamily="34" charset="0"/>
+              <a:latin typeface="Arial" pitchFamily="34" charset="0"/>
+              <a:ea typeface="Arial" pitchFamily="34" charset="0"/>
               <a:sym typeface="+mn-ea"/>
               <a:hlinkClick r:id="rId3" action="ppaction://hlinksldjump"/>
             </a:endParaRPr>
@@ -11008,8 +11001,8 @@
                     <a:lumMod val="75000"/>
                   </a:schemeClr>
                 </a:solidFill>
-                <a:latin typeface="Arial" panose="020B0604020202020204" pitchFamily="34" charset="0"/>
-                <a:ea typeface="Arial" panose="020B0604020202020204" pitchFamily="34" charset="0"/>
+                <a:latin typeface="Arial" pitchFamily="34" charset="0"/>
+                <a:ea typeface="Arial" pitchFamily="34" charset="0"/>
                 <a:hlinkClick r:id="rId3" action="ppaction://hlinksldjump"/>
               </a:rPr>
               <a:t>Search for blocks</a:t>
@@ -11020,8 +11013,8 @@
                   <a:lumMod val="75000"/>
                 </a:schemeClr>
               </a:solidFill>
-              <a:latin typeface="Arial" panose="020B0604020202020204" pitchFamily="34" charset="0"/>
-              <a:ea typeface="Arial" panose="020B0604020202020204" pitchFamily="34" charset="0"/>
+              <a:latin typeface="Arial" pitchFamily="34" charset="0"/>
+              <a:ea typeface="Arial" pitchFamily="34" charset="0"/>
             </a:endParaRPr>
           </a:p>
         </p:txBody>
@@ -11055,8 +11048,8 @@
                     <a:lumMod val="75000"/>
                   </a:schemeClr>
                 </a:solidFill>
-                <a:latin typeface="Arial" panose="020B0604020202020204" pitchFamily="34" charset="0"/>
-                <a:ea typeface="Arial" panose="020B0604020202020204" pitchFamily="34" charset="0"/>
+                <a:latin typeface="Arial" pitchFamily="34" charset="0"/>
+                <a:ea typeface="Arial" pitchFamily="34" charset="0"/>
                 <a:hlinkClick r:id="rId3" action="ppaction://hlinksldjump"/>
               </a:rPr>
               <a:t>Combin</a:t>
@@ -11068,8 +11061,8 @@
                     <a:lumMod val="75000"/>
                   </a:schemeClr>
                 </a:solidFill>
-                <a:latin typeface="Arial" panose="020B0604020202020204" pitchFamily="34" charset="0"/>
-                <a:ea typeface="Arial" panose="020B0604020202020204" pitchFamily="34" charset="0"/>
+                <a:latin typeface="Arial" pitchFamily="34" charset="0"/>
+                <a:ea typeface="Arial" pitchFamily="34" charset="0"/>
                 <a:hlinkClick r:id="rId3" action="ppaction://hlinksldjump"/>
               </a:rPr>
               <a:t>e</a:t>
@@ -11081,8 +11074,8 @@
                     <a:lumMod val="75000"/>
                   </a:schemeClr>
                 </a:solidFill>
-                <a:latin typeface="Arial" panose="020B0604020202020204" pitchFamily="34" charset="0"/>
-                <a:ea typeface="Arial" panose="020B0604020202020204" pitchFamily="34" charset="0"/>
+                <a:latin typeface="Arial" pitchFamily="34" charset="0"/>
+                <a:ea typeface="Arial" pitchFamily="34" charset="0"/>
                 <a:hlinkClick r:id="rId3" action="ppaction://hlinksldjump"/>
               </a:rPr>
               <a:t> blocks</a:t>
@@ -11093,8 +11086,8 @@
                   <a:lumMod val="75000"/>
                 </a:schemeClr>
               </a:solidFill>
-              <a:latin typeface="Arial" panose="020B0604020202020204" pitchFamily="34" charset="0"/>
-              <a:ea typeface="Arial" panose="020B0604020202020204" pitchFamily="34" charset="0"/>
+              <a:latin typeface="Arial" pitchFamily="34" charset="0"/>
+              <a:ea typeface="Arial" pitchFamily="34" charset="0"/>
             </a:endParaRPr>
           </a:p>
         </p:txBody>
@@ -11127,14 +11120,14 @@
           <a:p>
             <a:r>
               <a:rPr lang="en-US" altLang="zh-CN" dirty="0" smtClean="0">
-                <a:latin typeface="Arial" panose="020B0604020202020204" pitchFamily="34" charset="0"/>
-                <a:ea typeface="Arial" panose="020B0604020202020204" pitchFamily="34" charset="0"/>
+                <a:latin typeface="Arial" pitchFamily="34" charset="0"/>
+                <a:ea typeface="Arial" pitchFamily="34" charset="0"/>
               </a:rPr>
               <a:t>Part 5</a:t>
             </a:r>
             <a:endParaRPr lang="zh-CN" altLang="en-US" dirty="0">
-              <a:latin typeface="Arial" panose="020B0604020202020204" pitchFamily="34" charset="0"/>
-              <a:ea typeface="Arial" panose="020B0604020202020204" pitchFamily="34" charset="0"/>
+              <a:latin typeface="Arial" pitchFamily="34" charset="0"/>
+              <a:ea typeface="Arial" pitchFamily="34" charset="0"/>
             </a:endParaRPr>
           </a:p>
         </p:txBody>
@@ -11168,8 +11161,8 @@
                     <a:lumMod val="75000"/>
                   </a:schemeClr>
                 </a:solidFill>
-                <a:latin typeface="Arial" panose="020B0604020202020204" pitchFamily="34" charset="0"/>
-                <a:ea typeface="Arial" panose="020B0604020202020204" pitchFamily="34" charset="0"/>
+                <a:latin typeface="Arial" pitchFamily="34" charset="0"/>
+                <a:ea typeface="Arial" pitchFamily="34" charset="0"/>
                 <a:hlinkClick r:id="rId3" action="ppaction://hlinksldjump"/>
               </a:rPr>
               <a:t>A</a:t>
@@ -11181,8 +11174,8 @@
                     <a:lumMod val="75000"/>
                   </a:schemeClr>
                 </a:solidFill>
-                <a:latin typeface="Arial" panose="020B0604020202020204" pitchFamily="34" charset="0"/>
-                <a:ea typeface="Arial" panose="020B0604020202020204" pitchFamily="34" charset="0"/>
+                <a:latin typeface="Arial" pitchFamily="34" charset="0"/>
+                <a:ea typeface="Arial" pitchFamily="34" charset="0"/>
                 <a:hlinkClick r:id="rId3" action="ppaction://hlinksldjump"/>
               </a:rPr>
               <a:t>ttentions</a:t>
@@ -11193,8 +11186,8 @@
                   <a:lumMod val="75000"/>
                 </a:schemeClr>
               </a:solidFill>
-              <a:latin typeface="Arial" panose="020B0604020202020204" pitchFamily="34" charset="0"/>
-              <a:ea typeface="Arial" panose="020B0604020202020204" pitchFamily="34" charset="0"/>
+              <a:latin typeface="Arial" pitchFamily="34" charset="0"/>
+              <a:ea typeface="Arial" pitchFamily="34" charset="0"/>
             </a:endParaRPr>
           </a:p>
         </p:txBody>
@@ -11498,8 +11491,8 @@
                     <a:lumMod val="75000"/>
                   </a:schemeClr>
                 </a:solidFill>
-                <a:latin typeface="Arial" panose="020B0604020202020204" pitchFamily="34" charset="0"/>
-                <a:ea typeface="Arial" panose="020B0604020202020204" pitchFamily="34" charset="0"/>
+                <a:latin typeface="Arial" pitchFamily="34" charset="0"/>
+                <a:ea typeface="Arial" pitchFamily="34" charset="0"/>
               </a:rPr>
               <a:t>Part 1</a:t>
             </a:r>
@@ -11509,8 +11502,8 @@
                   <a:lumMod val="75000"/>
                 </a:schemeClr>
               </a:solidFill>
-              <a:latin typeface="Arial" panose="020B0604020202020204" pitchFamily="34" charset="0"/>
-              <a:ea typeface="Arial" panose="020B0604020202020204" pitchFamily="34" charset="0"/>
+              <a:latin typeface="Arial" pitchFamily="34" charset="0"/>
+              <a:ea typeface="Arial" pitchFamily="34" charset="0"/>
             </a:endParaRPr>
           </a:p>
         </p:txBody>
@@ -11541,8 +11534,8 @@
                 <a:solidFill>
                   <a:schemeClr val="bg1"/>
                 </a:solidFill>
-                <a:latin typeface="Arial" panose="020B0604020202020204" pitchFamily="34" charset="0"/>
-                <a:ea typeface="Arial" panose="020B0604020202020204" pitchFamily="34" charset="0"/>
+                <a:latin typeface="Arial" pitchFamily="34" charset="0"/>
+                <a:ea typeface="Arial" pitchFamily="34" charset="0"/>
               </a:rPr>
               <a:t>                   </a:t>
             </a:r>
@@ -11551,8 +11544,8 @@
                 <a:solidFill>
                   <a:schemeClr val="bg1"/>
                 </a:solidFill>
-                <a:latin typeface="Arial" panose="020B0604020202020204" pitchFamily="34" charset="0"/>
-                <a:ea typeface="Arial" panose="020B0604020202020204" pitchFamily="34" charset="0"/>
+                <a:latin typeface="Arial" pitchFamily="34" charset="0"/>
+                <a:ea typeface="Arial" pitchFamily="34" charset="0"/>
               </a:rPr>
               <a:t>           </a:t>
             </a:r>
@@ -11561,8 +11554,8 @@
                 <a:solidFill>
                   <a:schemeClr val="bg1"/>
                 </a:solidFill>
-                <a:latin typeface="Arial" panose="020B0604020202020204" pitchFamily="34" charset="0"/>
-                <a:ea typeface="Arial" panose="020B0604020202020204" pitchFamily="34" charset="0"/>
+                <a:latin typeface="Arial" pitchFamily="34" charset="0"/>
+                <a:ea typeface="Arial" pitchFamily="34" charset="0"/>
               </a:rPr>
               <a:t>micro:bit</a:t>
             </a:r>
@@ -11571,8 +11564,8 @@
                 <a:solidFill>
                   <a:schemeClr val="bg1"/>
                 </a:solidFill>
-                <a:latin typeface="Arial" panose="020B0604020202020204" pitchFamily="34" charset="0"/>
-                <a:ea typeface="Arial" panose="020B0604020202020204" pitchFamily="34" charset="0"/>
+                <a:latin typeface="Arial" pitchFamily="34" charset="0"/>
+                <a:ea typeface="Arial" pitchFamily="34" charset="0"/>
                 <a:sym typeface="+mn-ea"/>
               </a:rPr>
               <a:t> robot entry tutorial</a:t>
@@ -11582,21 +11575,21 @@
                 <a:solidFill>
                   <a:schemeClr val="bg1"/>
                 </a:solidFill>
-                <a:latin typeface="Arial" panose="020B0604020202020204" pitchFamily="34" charset="0"/>
-                <a:ea typeface="Arial" panose="020B0604020202020204" pitchFamily="34" charset="0"/>
+                <a:latin typeface="Arial" pitchFamily="34" charset="0"/>
+                <a:ea typeface="Arial" pitchFamily="34" charset="0"/>
               </a:rPr>
               <a:t> </a:t>
             </a:r>
             <a:r>
               <a:rPr lang="zh-CN" altLang="en-US" sz="2800" u="sng">
                 <a:latin typeface="icomoon" charset="0"/>
-                <a:ea typeface="Yu Gothic UI Semibold" panose="02010600030101010101" charset="-128"/>
+                <a:ea typeface="Yu Gothic UI Semibold" charset="-128"/>
               </a:rPr>
               <a:t>                                </a:t>
             </a:r>
             <a:endParaRPr lang="zh-CN" altLang="en-US" sz="2800" u="sng">
               <a:latin typeface="icomoon" charset="0"/>
-              <a:ea typeface="Yu Gothic UI Semibold" panose="02010600030101010101" charset="-128"/>
+              <a:ea typeface="Yu Gothic UI Semibold" charset="-128"/>
             </a:endParaRPr>
           </a:p>
         </p:txBody>
@@ -11996,8 +11989,8 @@
                 <a:solidFill>
                   <a:schemeClr val="bg1"/>
                 </a:solidFill>
-                <a:latin typeface="Arial" panose="020B0604020202020204" pitchFamily="34" charset="0"/>
-                <a:ea typeface="Arial" panose="020B0604020202020204" pitchFamily="34" charset="0"/>
+                <a:latin typeface="Arial" pitchFamily="34" charset="0"/>
+                <a:ea typeface="Arial" pitchFamily="34" charset="0"/>
                 <a:sym typeface="+mn-ea"/>
               </a:rPr>
               <a:t> </a:t>
@@ -12007,8 +12000,8 @@
                 <a:solidFill>
                   <a:schemeClr val="bg1"/>
                 </a:solidFill>
-                <a:latin typeface="Arial" panose="020B0604020202020204" pitchFamily="34" charset="0"/>
-                <a:ea typeface="Arial" panose="020B0604020202020204" pitchFamily="34" charset="0"/>
+                <a:latin typeface="Arial" pitchFamily="34" charset="0"/>
+                <a:ea typeface="Arial" pitchFamily="34" charset="0"/>
                 <a:sym typeface="+mn-ea"/>
               </a:rPr>
               <a:t>YahBoom     </a:t>
@@ -12018,8 +12011,8 @@
                 <a:solidFill>
                   <a:schemeClr val="bg1"/>
                 </a:solidFill>
-                <a:latin typeface="Arial" panose="020B0604020202020204" pitchFamily="34" charset="0"/>
-                <a:ea typeface="Arial" panose="020B0604020202020204" pitchFamily="34" charset="0"/>
+                <a:latin typeface="Arial" pitchFamily="34" charset="0"/>
+                <a:ea typeface="Arial" pitchFamily="34" charset="0"/>
                 <a:sym typeface="+mn-ea"/>
               </a:rPr>
               <a:t>micro:bit</a:t>
@@ -12029,8 +12022,8 @@
                 <a:solidFill>
                   <a:schemeClr val="bg1"/>
                 </a:solidFill>
-                <a:latin typeface="Arial" panose="020B0604020202020204" pitchFamily="34" charset="0"/>
-                <a:ea typeface="Arial" panose="020B0604020202020204" pitchFamily="34" charset="0"/>
+                <a:latin typeface="Arial" pitchFamily="34" charset="0"/>
+                <a:ea typeface="Arial" pitchFamily="34" charset="0"/>
                 <a:sym typeface="+mn-ea"/>
               </a:rPr>
               <a:t> video tutorial</a:t>
@@ -12072,8 +12065,8 @@
                     </a:srgbClr>
                   </a:outerShdw>
                 </a:effectLst>
-                <a:latin typeface="Arial" panose="020B0604020202020204" pitchFamily="34" charset="0"/>
-                <a:ea typeface="Arial" panose="020B0604020202020204" pitchFamily="34" charset="0"/>
+                <a:latin typeface="Arial" pitchFamily="34" charset="0"/>
+                <a:ea typeface="Arial" pitchFamily="34" charset="0"/>
               </a:rPr>
               <a:t>       Children, what we learn in this lesson is robot following. We can use infrared obstacle avoidance sensor to achieve robot following, or we can use ultrasonic sensor to achieve it. In this lesson, we learn to follow the infrared following. Infrared following can realize that if the robot has an object in front of the obstacle avoidance sensor, the robot will follow. If there is no object in front of the obstacle avoidance sensor, the robot will stop. Is it very interesting? Let's try the kids together.</a:t>
             </a:r>
@@ -12085,8 +12078,8 @@
                   </a:srgbClr>
                 </a:outerShdw>
               </a:effectLst>
-              <a:latin typeface="Arial" panose="020B0604020202020204" pitchFamily="34" charset="0"/>
-              <a:ea typeface="Arial" panose="020B0604020202020204" pitchFamily="34" charset="0"/>
+              <a:latin typeface="Arial" pitchFamily="34" charset="0"/>
+              <a:ea typeface="Arial" pitchFamily="34" charset="0"/>
             </a:endParaRPr>
           </a:p>
         </p:txBody>
@@ -12390,8 +12383,8 @@
                     <a:lumMod val="75000"/>
                   </a:schemeClr>
                 </a:solidFill>
-                <a:latin typeface="Arial" panose="020B0604020202020204" pitchFamily="34" charset="0"/>
-                <a:ea typeface="Arial" panose="020B0604020202020204" pitchFamily="34" charset="0"/>
+                <a:latin typeface="Arial" pitchFamily="34" charset="0"/>
+                <a:ea typeface="Arial" pitchFamily="34" charset="0"/>
               </a:rPr>
               <a:t>Learning goals</a:t>
             </a:r>
@@ -12401,8 +12394,8 @@
                   <a:lumMod val="75000"/>
                 </a:schemeClr>
               </a:solidFill>
-              <a:latin typeface="Arial" panose="020B0604020202020204" pitchFamily="34" charset="0"/>
-              <a:ea typeface="Arial" panose="020B0604020202020204" pitchFamily="34" charset="0"/>
+              <a:latin typeface="Arial" pitchFamily="34" charset="0"/>
+              <a:ea typeface="Arial" pitchFamily="34" charset="0"/>
             </a:endParaRPr>
           </a:p>
         </p:txBody>
@@ -12694,8 +12687,8 @@
                     <a:lumMod val="75000"/>
                   </a:schemeClr>
                 </a:solidFill>
-                <a:latin typeface="Arial" panose="020B0604020202020204" pitchFamily="34" charset="0"/>
-                <a:ea typeface="Arial" panose="020B0604020202020204" pitchFamily="34" charset="0"/>
+                <a:latin typeface="Arial" pitchFamily="34" charset="0"/>
+                <a:ea typeface="Arial" pitchFamily="34" charset="0"/>
               </a:rPr>
               <a:t>Part </a:t>
             </a:r>
@@ -12706,8 +12699,8 @@
                     <a:lumMod val="75000"/>
                   </a:schemeClr>
                 </a:solidFill>
-                <a:latin typeface="Arial" panose="020B0604020202020204" pitchFamily="34" charset="0"/>
-                <a:ea typeface="Arial" panose="020B0604020202020204" pitchFamily="34" charset="0"/>
+                <a:latin typeface="Arial" pitchFamily="34" charset="0"/>
+                <a:ea typeface="Arial" pitchFamily="34" charset="0"/>
               </a:rPr>
               <a:t>2</a:t>
             </a:r>
@@ -12717,8 +12710,8 @@
                   <a:lumMod val="75000"/>
                 </a:schemeClr>
               </a:solidFill>
-              <a:latin typeface="Arial" panose="020B0604020202020204" pitchFamily="34" charset="0"/>
-              <a:ea typeface="Arial" panose="020B0604020202020204" pitchFamily="34" charset="0"/>
+              <a:latin typeface="Arial" pitchFamily="34" charset="0"/>
+              <a:ea typeface="Arial" pitchFamily="34" charset="0"/>
             </a:endParaRPr>
           </a:p>
         </p:txBody>
@@ -12749,8 +12742,8 @@
                 <a:solidFill>
                   <a:schemeClr val="bg1"/>
                 </a:solidFill>
-                <a:latin typeface="Arial" panose="020B0604020202020204" pitchFamily="34" charset="0"/>
-                <a:ea typeface="Arial" panose="020B0604020202020204" pitchFamily="34" charset="0"/>
+                <a:latin typeface="Arial" pitchFamily="34" charset="0"/>
+                <a:ea typeface="Arial" pitchFamily="34" charset="0"/>
               </a:rPr>
               <a:t>          </a:t>
             </a:r>
@@ -12759,8 +12752,8 @@
                 <a:solidFill>
                   <a:schemeClr val="bg1"/>
                 </a:solidFill>
-                <a:latin typeface="Arial" panose="020B0604020202020204" pitchFamily="34" charset="0"/>
-                <a:ea typeface="Arial" panose="020B0604020202020204" pitchFamily="34" charset="0"/>
+                <a:latin typeface="Arial" pitchFamily="34" charset="0"/>
+                <a:ea typeface="Arial" pitchFamily="34" charset="0"/>
               </a:rPr>
               <a:t>                     </a:t>
             </a:r>
@@ -12769,8 +12762,8 @@
                 <a:solidFill>
                   <a:schemeClr val="bg1"/>
                 </a:solidFill>
-                <a:latin typeface="Arial" panose="020B0604020202020204" pitchFamily="34" charset="0"/>
-                <a:ea typeface="Arial" panose="020B0604020202020204" pitchFamily="34" charset="0"/>
+                <a:latin typeface="Arial" pitchFamily="34" charset="0"/>
+                <a:ea typeface="Arial" pitchFamily="34" charset="0"/>
               </a:rPr>
               <a:t>micro:bit</a:t>
             </a:r>
@@ -12779,8 +12772,8 @@
                 <a:solidFill>
                   <a:schemeClr val="bg1"/>
                 </a:solidFill>
-                <a:latin typeface="Arial" panose="020B0604020202020204" pitchFamily="34" charset="0"/>
-                <a:ea typeface="Arial" panose="020B0604020202020204" pitchFamily="34" charset="0"/>
+                <a:latin typeface="Arial" pitchFamily="34" charset="0"/>
+                <a:ea typeface="Arial" pitchFamily="34" charset="0"/>
                 <a:sym typeface="+mn-ea"/>
               </a:rPr>
               <a:t> robot entry tutorial</a:t>
@@ -12790,21 +12783,21 @@
                 <a:solidFill>
                   <a:schemeClr val="bg1"/>
                 </a:solidFill>
-                <a:latin typeface="Arial" panose="020B0604020202020204" pitchFamily="34" charset="0"/>
-                <a:ea typeface="Arial" panose="020B0604020202020204" pitchFamily="34" charset="0"/>
+                <a:latin typeface="Arial" pitchFamily="34" charset="0"/>
+                <a:ea typeface="Arial" pitchFamily="34" charset="0"/>
               </a:rPr>
               <a:t> </a:t>
             </a:r>
             <a:r>
               <a:rPr lang="zh-CN" altLang="en-US" sz="2800" u="sng">
                 <a:latin typeface="icomoon" charset="0"/>
-                <a:ea typeface="Yu Gothic UI Semibold" panose="02010600030101010101" charset="-128"/>
+                <a:ea typeface="Yu Gothic UI Semibold" charset="-128"/>
               </a:rPr>
               <a:t>                                </a:t>
             </a:r>
             <a:endParaRPr lang="zh-CN" altLang="en-US" sz="2800" u="sng">
               <a:latin typeface="icomoon" charset="0"/>
-              <a:ea typeface="Yu Gothic UI Semibold" panose="02010600030101010101" charset="-128"/>
+              <a:ea typeface="Yu Gothic UI Semibold" charset="-128"/>
             </a:endParaRPr>
           </a:p>
         </p:txBody>
@@ -13204,8 +13197,8 @@
                 <a:solidFill>
                   <a:schemeClr val="bg1"/>
                 </a:solidFill>
-                <a:latin typeface="Arial" panose="020B0604020202020204" pitchFamily="34" charset="0"/>
-                <a:ea typeface="Arial" panose="020B0604020202020204" pitchFamily="34" charset="0"/>
+                <a:latin typeface="Arial" pitchFamily="34" charset="0"/>
+                <a:ea typeface="Arial" pitchFamily="34" charset="0"/>
                 <a:sym typeface="+mn-ea"/>
               </a:rPr>
               <a:t> </a:t>
@@ -13215,8 +13208,8 @@
                 <a:solidFill>
                   <a:schemeClr val="bg1"/>
                 </a:solidFill>
-                <a:latin typeface="Arial" panose="020B0604020202020204" pitchFamily="34" charset="0"/>
-                <a:ea typeface="Arial" panose="020B0604020202020204" pitchFamily="34" charset="0"/>
+                <a:latin typeface="Arial" pitchFamily="34" charset="0"/>
+                <a:ea typeface="Arial" pitchFamily="34" charset="0"/>
                 <a:sym typeface="+mn-ea"/>
               </a:rPr>
               <a:t>YahBoom       </a:t>
@@ -13226,8 +13219,8 @@
                 <a:solidFill>
                   <a:schemeClr val="bg1"/>
                 </a:solidFill>
-                <a:latin typeface="Arial" panose="020B0604020202020204" pitchFamily="34" charset="0"/>
-                <a:ea typeface="Arial" panose="020B0604020202020204" pitchFamily="34" charset="0"/>
+                <a:latin typeface="Arial" pitchFamily="34" charset="0"/>
+                <a:ea typeface="Arial" pitchFamily="34" charset="0"/>
                 <a:sym typeface="+mn-ea"/>
               </a:rPr>
               <a:t>micro:bit</a:t>
@@ -13237,8 +13230,8 @@
                 <a:solidFill>
                   <a:schemeClr val="bg1"/>
                 </a:solidFill>
-                <a:latin typeface="Arial" panose="020B0604020202020204" pitchFamily="34" charset="0"/>
-                <a:ea typeface="Arial" panose="020B0604020202020204" pitchFamily="34" charset="0"/>
+                <a:latin typeface="Arial" pitchFamily="34" charset="0"/>
+                <a:ea typeface="Arial" pitchFamily="34" charset="0"/>
                 <a:sym typeface="+mn-ea"/>
               </a:rPr>
               <a:t> video tutorial</a:t>
@@ -13275,8 +13268,8 @@
                     <a:lumMod val="75000"/>
                   </a:schemeClr>
                 </a:solidFill>
-                <a:latin typeface="Arial" panose="020B0604020202020204" pitchFamily="34" charset="0"/>
-                <a:ea typeface="Arial" panose="020B0604020202020204" pitchFamily="34" charset="0"/>
+                <a:latin typeface="Arial" pitchFamily="34" charset="0"/>
+                <a:ea typeface="Arial" pitchFamily="34" charset="0"/>
                 <a:sym typeface="+mn-ea"/>
               </a:rPr>
               <a:t>●  1 X USB cable</a:t>
@@ -13287,8 +13280,8 @@
                   <a:lumMod val="75000"/>
                 </a:schemeClr>
               </a:solidFill>
-              <a:latin typeface="Arial" panose="020B0604020202020204" pitchFamily="34" charset="0"/>
-              <a:ea typeface="Arial" panose="020B0604020202020204" pitchFamily="34" charset="0"/>
+              <a:latin typeface="Arial" pitchFamily="34" charset="0"/>
+              <a:ea typeface="Arial" pitchFamily="34" charset="0"/>
             </a:endParaRPr>
           </a:p>
           <a:p>
@@ -13299,8 +13292,8 @@
                     <a:lumMod val="75000"/>
                   </a:schemeClr>
                 </a:solidFill>
-                <a:latin typeface="Arial" panose="020B0604020202020204" pitchFamily="34" charset="0"/>
-                <a:ea typeface="Arial" panose="020B0604020202020204" pitchFamily="34" charset="0"/>
+                <a:latin typeface="Arial" pitchFamily="34" charset="0"/>
+                <a:ea typeface="Arial" pitchFamily="34" charset="0"/>
                 <a:sym typeface="+mn-ea"/>
               </a:rPr>
               <a:t>●  1 X micro:bit</a:t>
@@ -13312,8 +13305,8 @@
                     <a:lumMod val="75000"/>
                   </a:schemeClr>
                 </a:solidFill>
-                <a:latin typeface="Arial" panose="020B0604020202020204" pitchFamily="34" charset="0"/>
-                <a:ea typeface="Arial" panose="020B0604020202020204" pitchFamily="34" charset="0"/>
+                <a:latin typeface="Arial" pitchFamily="34" charset="0"/>
+                <a:ea typeface="Arial" pitchFamily="34" charset="0"/>
                 <a:sym typeface="+mn-ea"/>
               </a:rPr>
               <a:t> </a:t>
@@ -13325,8 +13318,8 @@
                     <a:lumMod val="75000"/>
                   </a:schemeClr>
                 </a:solidFill>
-                <a:latin typeface="Arial" panose="020B0604020202020204" pitchFamily="34" charset="0"/>
-                <a:ea typeface="Arial" panose="020B0604020202020204" pitchFamily="34" charset="0"/>
+                <a:latin typeface="Arial" pitchFamily="34" charset="0"/>
+                <a:ea typeface="Arial" pitchFamily="34" charset="0"/>
                 <a:sym typeface="+mn-ea"/>
               </a:rPr>
               <a:t>robot</a:t>
@@ -13337,8 +13330,8 @@
                   <a:lumMod val="75000"/>
                 </a:schemeClr>
               </a:solidFill>
-              <a:latin typeface="Arial" panose="020B0604020202020204" pitchFamily="34" charset="0"/>
-              <a:ea typeface="Arial" panose="020B0604020202020204" pitchFamily="34" charset="0"/>
+              <a:latin typeface="Arial" pitchFamily="34" charset="0"/>
+              <a:ea typeface="Arial" pitchFamily="34" charset="0"/>
               <a:sym typeface="+mn-ea"/>
             </a:endParaRPr>
           </a:p>
@@ -13620,8 +13613,8 @@
                     <a:lumMod val="75000"/>
                   </a:schemeClr>
                 </a:solidFill>
-                <a:latin typeface="Arial" panose="020B0604020202020204" pitchFamily="34" charset="0"/>
-                <a:ea typeface="Arial" panose="020B0604020202020204" pitchFamily="34" charset="0"/>
+                <a:latin typeface="Arial" pitchFamily="34" charset="0"/>
+                <a:ea typeface="Arial" pitchFamily="34" charset="0"/>
               </a:rPr>
               <a:t>Preparation </a:t>
             </a:r>
@@ -13631,8 +13624,8 @@
                   <a:lumMod val="75000"/>
                 </a:schemeClr>
               </a:solidFill>
-              <a:latin typeface="Arial" panose="020B0604020202020204" pitchFamily="34" charset="0"/>
-              <a:ea typeface="Arial" panose="020B0604020202020204" pitchFamily="34" charset="0"/>
+              <a:latin typeface="Arial" pitchFamily="34" charset="0"/>
+              <a:ea typeface="Arial" pitchFamily="34" charset="0"/>
             </a:endParaRPr>
           </a:p>
         </p:txBody>
@@ -13666,8 +13659,8 @@
                     <a:lumMod val="75000"/>
                   </a:schemeClr>
                 </a:solidFill>
-                <a:latin typeface="Arial" panose="020B0604020202020204" pitchFamily="34" charset="0"/>
-                <a:ea typeface="Arial" panose="020B0604020202020204" pitchFamily="34" charset="0"/>
+                <a:latin typeface="Arial" pitchFamily="34" charset="0"/>
+                <a:ea typeface="Arial" pitchFamily="34" charset="0"/>
               </a:rPr>
               <a:t>Hardware</a:t>
             </a:r>
@@ -13678,8 +13671,8 @@
                     <a:lumMod val="75000"/>
                   </a:schemeClr>
                 </a:solidFill>
-                <a:latin typeface="Arial" panose="020B0604020202020204" pitchFamily="34" charset="0"/>
-                <a:ea typeface="Arial" panose="020B0604020202020204" pitchFamily="34" charset="0"/>
+                <a:latin typeface="Arial" pitchFamily="34" charset="0"/>
+                <a:ea typeface="Arial" pitchFamily="34" charset="0"/>
               </a:rPr>
               <a:t>:</a:t>
             </a:r>
@@ -13689,8 +13682,8 @@
                   <a:lumMod val="75000"/>
                 </a:schemeClr>
               </a:solidFill>
-              <a:latin typeface="Arial" panose="020B0604020202020204" pitchFamily="34" charset="0"/>
-              <a:ea typeface="Arial" panose="020B0604020202020204" pitchFamily="34" charset="0"/>
+              <a:latin typeface="Arial" pitchFamily="34" charset="0"/>
+              <a:ea typeface="Arial" pitchFamily="34" charset="0"/>
             </a:endParaRPr>
           </a:p>
         </p:txBody>
@@ -13724,8 +13717,8 @@
                     <a:lumMod val="75000"/>
                   </a:schemeClr>
                 </a:solidFill>
-                <a:latin typeface="微软雅黑 Light" panose="020B0502040204020203" charset="-122"/>
-                <a:ea typeface="微软雅黑 Light" panose="020B0502040204020203" charset="-122"/>
+                <a:latin typeface="微软雅黑 Light" charset="-122"/>
+                <a:ea typeface="微软雅黑 Light" charset="-122"/>
               </a:rPr>
               <a:t>      </a:t>
             </a:r>
@@ -13736,8 +13729,8 @@
                     <a:lumMod val="75000"/>
                   </a:schemeClr>
                 </a:solidFill>
-                <a:latin typeface="Arial" panose="020B0604020202020204" pitchFamily="34" charset="0"/>
-                <a:ea typeface="Arial" panose="020B0604020202020204" pitchFamily="34" charset="0"/>
+                <a:latin typeface="Arial" pitchFamily="34" charset="0"/>
+                <a:ea typeface="Arial" pitchFamily="34" charset="0"/>
                 <a:sym typeface="+mn-ea"/>
               </a:rPr>
               <a:t>Then the micro:bit is connected to the computer through USB, and the computer will pop up a U disk and click the URL in the U disk to enter the programming interface. </a:t>
@@ -13749,8 +13742,8 @@
                     <a:lumMod val="75000"/>
                   </a:schemeClr>
                 </a:solidFill>
-                <a:latin typeface="Arial" panose="020B0604020202020204" pitchFamily="34" charset="0"/>
-                <a:ea typeface="Arial" panose="020B0604020202020204" pitchFamily="34" charset="0"/>
+                <a:latin typeface="Arial" pitchFamily="34" charset="0"/>
+                <a:ea typeface="Arial" pitchFamily="34" charset="0"/>
                 <a:sym typeface="+mn-ea"/>
               </a:rPr>
               <a:t>Input this URL </a:t>
@@ -13760,8 +13753,8 @@
                 <a:solidFill>
                   <a:srgbClr val="FF0000"/>
                 </a:solidFill>
-                <a:latin typeface="Arial" panose="020B0604020202020204" pitchFamily="34" charset="0"/>
-                <a:ea typeface="Arial" panose="020B0604020202020204" pitchFamily="34" charset="0"/>
+                <a:latin typeface="Arial" pitchFamily="34" charset="0"/>
+                <a:ea typeface="Arial" pitchFamily="34" charset="0"/>
                 <a:sym typeface="+mn-ea"/>
               </a:rPr>
               <a:t>https://github.com/lzty634158/yahboom_mbit_en </a:t>
@@ -13773,8 +13766,8 @@
                     <a:lumMod val="75000"/>
                   </a:schemeClr>
                 </a:solidFill>
-                <a:latin typeface="Arial" panose="020B0604020202020204" pitchFamily="34" charset="0"/>
-                <a:ea typeface="Arial" panose="020B0604020202020204" pitchFamily="34" charset="0"/>
+                <a:latin typeface="Arial" pitchFamily="34" charset="0"/>
+                <a:ea typeface="Arial" pitchFamily="34" charset="0"/>
                 <a:sym typeface="+mn-ea"/>
               </a:rPr>
               <a:t>to get the package.</a:t>
@@ -13785,8 +13778,8 @@
                   <a:lumMod val="75000"/>
                 </a:schemeClr>
               </a:solidFill>
-              <a:latin typeface="Arial" panose="020B0604020202020204" pitchFamily="34" charset="0"/>
-              <a:ea typeface="Arial" panose="020B0604020202020204" pitchFamily="34" charset="0"/>
+              <a:latin typeface="Arial" pitchFamily="34" charset="0"/>
+              <a:ea typeface="Arial" pitchFamily="34" charset="0"/>
               <a:sym typeface="+mn-ea"/>
             </a:endParaRPr>
           </a:p>
@@ -13798,8 +13791,8 @@
                   <a:lumMod val="75000"/>
                 </a:schemeClr>
               </a:solidFill>
-              <a:latin typeface="Arial" panose="020B0604020202020204" pitchFamily="34" charset="0"/>
-              <a:ea typeface="Arial" panose="020B0604020202020204" pitchFamily="34" charset="0"/>
+              <a:latin typeface="Arial" pitchFamily="34" charset="0"/>
+              <a:ea typeface="Arial" pitchFamily="34" charset="0"/>
             </a:endParaRPr>
           </a:p>
         </p:txBody>
@@ -13867,8 +13860,8 @@
                 <a:solidFill>
                   <a:schemeClr val="bg1"/>
                 </a:solidFill>
-                <a:latin typeface="Arial" panose="020B0604020202020204" pitchFamily="34" charset="0"/>
-                <a:ea typeface="Arial" panose="020B0604020202020204" pitchFamily="34" charset="0"/>
+                <a:latin typeface="Arial" pitchFamily="34" charset="0"/>
+                <a:ea typeface="Arial" pitchFamily="34" charset="0"/>
               </a:rPr>
               <a:t>                     </a:t>
             </a:r>
@@ -13877,8 +13870,8 @@
                 <a:solidFill>
                   <a:schemeClr val="bg1"/>
                 </a:solidFill>
-                <a:latin typeface="Arial" panose="020B0604020202020204" pitchFamily="34" charset="0"/>
-                <a:ea typeface="Arial" panose="020B0604020202020204" pitchFamily="34" charset="0"/>
+                <a:latin typeface="Arial" pitchFamily="34" charset="0"/>
+                <a:ea typeface="Arial" pitchFamily="34" charset="0"/>
               </a:rPr>
               <a:t>            </a:t>
             </a:r>
@@ -13887,8 +13880,8 @@
                 <a:solidFill>
                   <a:schemeClr val="bg1"/>
                 </a:solidFill>
-                <a:latin typeface="Arial" panose="020B0604020202020204" pitchFamily="34" charset="0"/>
-                <a:ea typeface="Arial" panose="020B0604020202020204" pitchFamily="34" charset="0"/>
+                <a:latin typeface="Arial" pitchFamily="34" charset="0"/>
+                <a:ea typeface="Arial" pitchFamily="34" charset="0"/>
               </a:rPr>
               <a:t>micro:bit</a:t>
             </a:r>
@@ -13897,8 +13890,8 @@
                 <a:solidFill>
                   <a:schemeClr val="bg1"/>
                 </a:solidFill>
-                <a:latin typeface="Arial" panose="020B0604020202020204" pitchFamily="34" charset="0"/>
-                <a:ea typeface="Arial" panose="020B0604020202020204" pitchFamily="34" charset="0"/>
+                <a:latin typeface="Arial" pitchFamily="34" charset="0"/>
+                <a:ea typeface="Arial" pitchFamily="34" charset="0"/>
                 <a:sym typeface="+mn-ea"/>
               </a:rPr>
               <a:t> robot entry tutorial</a:t>
@@ -13908,21 +13901,21 @@
                 <a:solidFill>
                   <a:schemeClr val="bg1"/>
                 </a:solidFill>
-                <a:latin typeface="Arial" panose="020B0604020202020204" pitchFamily="34" charset="0"/>
-                <a:ea typeface="Arial" panose="020B0604020202020204" pitchFamily="34" charset="0"/>
+                <a:latin typeface="Arial" pitchFamily="34" charset="0"/>
+                <a:ea typeface="Arial" pitchFamily="34" charset="0"/>
               </a:rPr>
               <a:t> </a:t>
             </a:r>
             <a:r>
               <a:rPr lang="zh-CN" altLang="en-US" sz="2800" u="sng">
                 <a:latin typeface="icomoon" charset="0"/>
-                <a:ea typeface="Yu Gothic UI Semibold" panose="02010600030101010101" charset="-128"/>
+                <a:ea typeface="Yu Gothic UI Semibold" charset="-128"/>
               </a:rPr>
               <a:t>                                </a:t>
             </a:r>
             <a:endParaRPr lang="zh-CN" altLang="en-US" sz="2800" u="sng">
               <a:latin typeface="icomoon" charset="0"/>
-              <a:ea typeface="Yu Gothic UI Semibold" panose="02010600030101010101" charset="-128"/>
+              <a:ea typeface="Yu Gothic UI Semibold" charset="-128"/>
             </a:endParaRPr>
           </a:p>
         </p:txBody>
@@ -14322,8 +14315,8 @@
                 <a:solidFill>
                   <a:schemeClr val="bg1"/>
                 </a:solidFill>
-                <a:latin typeface="Arial" panose="020B0604020202020204" pitchFamily="34" charset="0"/>
-                <a:ea typeface="Arial" panose="020B0604020202020204" pitchFamily="34" charset="0"/>
+                <a:latin typeface="Arial" pitchFamily="34" charset="0"/>
+                <a:ea typeface="Arial" pitchFamily="34" charset="0"/>
                 <a:sym typeface="+mn-ea"/>
               </a:rPr>
               <a:t> </a:t>
@@ -14333,8 +14326,8 @@
                 <a:solidFill>
                   <a:schemeClr val="bg1"/>
                 </a:solidFill>
-                <a:latin typeface="Arial" panose="020B0604020202020204" pitchFamily="34" charset="0"/>
-                <a:ea typeface="Arial" panose="020B0604020202020204" pitchFamily="34" charset="0"/>
+                <a:latin typeface="Arial" pitchFamily="34" charset="0"/>
+                <a:ea typeface="Arial" pitchFamily="34" charset="0"/>
                 <a:sym typeface="+mn-ea"/>
               </a:rPr>
               <a:t>YahBoom     </a:t>
@@ -14344,8 +14337,8 @@
                 <a:solidFill>
                   <a:schemeClr val="bg1"/>
                 </a:solidFill>
-                <a:latin typeface="Arial" panose="020B0604020202020204" pitchFamily="34" charset="0"/>
-                <a:ea typeface="Arial" panose="020B0604020202020204" pitchFamily="34" charset="0"/>
+                <a:latin typeface="Arial" pitchFamily="34" charset="0"/>
+                <a:ea typeface="Arial" pitchFamily="34" charset="0"/>
                 <a:sym typeface="+mn-ea"/>
               </a:rPr>
               <a:t>micro:bit</a:t>
@@ -14355,8 +14348,8 @@
                 <a:solidFill>
                   <a:schemeClr val="bg1"/>
                 </a:solidFill>
-                <a:latin typeface="Arial" panose="020B0604020202020204" pitchFamily="34" charset="0"/>
-                <a:ea typeface="Arial" panose="020B0604020202020204" pitchFamily="34" charset="0"/>
+                <a:latin typeface="Arial" pitchFamily="34" charset="0"/>
+                <a:ea typeface="Arial" pitchFamily="34" charset="0"/>
                 <a:sym typeface="+mn-ea"/>
               </a:rPr>
               <a:t> video tutorial</a:t>
@@ -14393,8 +14386,8 @@
                     <a:lumMod val="75000"/>
                   </a:schemeClr>
                 </a:solidFill>
-                <a:latin typeface="Arial" panose="020B0604020202020204" pitchFamily="34" charset="0"/>
-                <a:ea typeface="Arial" panose="020B0604020202020204" pitchFamily="34" charset="0"/>
+                <a:latin typeface="Arial" pitchFamily="34" charset="0"/>
+                <a:ea typeface="Arial" pitchFamily="34" charset="0"/>
                 <a:sym typeface="+mn-ea"/>
               </a:rPr>
               <a:t>Part 3</a:t>
@@ -14405,8 +14398,8 @@
                   <a:lumMod val="75000"/>
                 </a:schemeClr>
               </a:solidFill>
-              <a:latin typeface="Arial" panose="020B0604020202020204" pitchFamily="34" charset="0"/>
-              <a:ea typeface="Arial" panose="020B0604020202020204" pitchFamily="34" charset="0"/>
+              <a:latin typeface="Arial" pitchFamily="34" charset="0"/>
+              <a:ea typeface="Arial" pitchFamily="34" charset="0"/>
               <a:sym typeface="+mn-ea"/>
             </a:endParaRPr>
           </a:p>
@@ -14711,8 +14704,8 @@
                     <a:lumMod val="75000"/>
                   </a:schemeClr>
                 </a:solidFill>
-                <a:latin typeface="Arial" panose="020B0604020202020204" pitchFamily="34" charset="0"/>
-                <a:ea typeface="Arial" panose="020B0604020202020204" pitchFamily="34" charset="0"/>
+                <a:latin typeface="Arial" pitchFamily="34" charset="0"/>
+                <a:ea typeface="Arial" pitchFamily="34" charset="0"/>
               </a:rPr>
               <a:t>Search for blocks</a:t>
             </a:r>
@@ -14722,8 +14715,8 @@
                   <a:lumMod val="75000"/>
                 </a:schemeClr>
               </a:solidFill>
-              <a:latin typeface="Arial" panose="020B0604020202020204" pitchFamily="34" charset="0"/>
-              <a:ea typeface="Arial" panose="020B0604020202020204" pitchFamily="34" charset="0"/>
+              <a:latin typeface="Arial" pitchFamily="34" charset="0"/>
+              <a:ea typeface="Arial" pitchFamily="34" charset="0"/>
             </a:endParaRPr>
           </a:p>
           <a:p>
@@ -14733,8 +14726,8 @@
                   <a:lumMod val="75000"/>
                 </a:schemeClr>
               </a:solidFill>
-              <a:latin typeface="Arial" panose="020B0604020202020204" pitchFamily="34" charset="0"/>
-              <a:ea typeface="Arial" panose="020B0604020202020204" pitchFamily="34" charset="0"/>
+              <a:latin typeface="Arial" pitchFamily="34" charset="0"/>
+              <a:ea typeface="Arial" pitchFamily="34" charset="0"/>
             </a:endParaRPr>
           </a:p>
         </p:txBody>
@@ -14783,8 +14776,8 @@
                 <a:solidFill>
                   <a:schemeClr val="bg1"/>
                 </a:solidFill>
-                <a:latin typeface="Arial" panose="020B0604020202020204" pitchFamily="34" charset="0"/>
-                <a:ea typeface="Arial" panose="020B0604020202020204" pitchFamily="34" charset="0"/>
+                <a:latin typeface="Arial" pitchFamily="34" charset="0"/>
+                <a:ea typeface="Arial" pitchFamily="34" charset="0"/>
               </a:rPr>
               <a:t>                     </a:t>
             </a:r>
@@ -14793,8 +14786,8 @@
                 <a:solidFill>
                   <a:schemeClr val="bg1"/>
                 </a:solidFill>
-                <a:latin typeface="Arial" panose="020B0604020202020204" pitchFamily="34" charset="0"/>
-                <a:ea typeface="Arial" panose="020B0604020202020204" pitchFamily="34" charset="0"/>
+                <a:latin typeface="Arial" pitchFamily="34" charset="0"/>
+                <a:ea typeface="Arial" pitchFamily="34" charset="0"/>
               </a:rPr>
               <a:t>            </a:t>
             </a:r>
@@ -14803,8 +14796,8 @@
                 <a:solidFill>
                   <a:schemeClr val="bg1"/>
                 </a:solidFill>
-                <a:latin typeface="Arial" panose="020B0604020202020204" pitchFamily="34" charset="0"/>
-                <a:ea typeface="Arial" panose="020B0604020202020204" pitchFamily="34" charset="0"/>
+                <a:latin typeface="Arial" pitchFamily="34" charset="0"/>
+                <a:ea typeface="Arial" pitchFamily="34" charset="0"/>
               </a:rPr>
               <a:t>micro:bit</a:t>
             </a:r>
@@ -14813,8 +14806,8 @@
                 <a:solidFill>
                   <a:schemeClr val="bg1"/>
                 </a:solidFill>
-                <a:latin typeface="Arial" panose="020B0604020202020204" pitchFamily="34" charset="0"/>
-                <a:ea typeface="Arial" panose="020B0604020202020204" pitchFamily="34" charset="0"/>
+                <a:latin typeface="Arial" pitchFamily="34" charset="0"/>
+                <a:ea typeface="Arial" pitchFamily="34" charset="0"/>
                 <a:sym typeface="+mn-ea"/>
               </a:rPr>
               <a:t> robot entry tutorial</a:t>
@@ -14824,21 +14817,21 @@
                 <a:solidFill>
                   <a:schemeClr val="bg1"/>
                 </a:solidFill>
-                <a:latin typeface="Arial" panose="020B0604020202020204" pitchFamily="34" charset="0"/>
-                <a:ea typeface="Arial" panose="020B0604020202020204" pitchFamily="34" charset="0"/>
+                <a:latin typeface="Arial" pitchFamily="34" charset="0"/>
+                <a:ea typeface="Arial" pitchFamily="34" charset="0"/>
               </a:rPr>
               <a:t> </a:t>
             </a:r>
             <a:r>
               <a:rPr lang="zh-CN" altLang="en-US" sz="2800" u="sng">
                 <a:latin typeface="icomoon" charset="0"/>
-                <a:ea typeface="Yu Gothic UI Semibold" panose="02010600030101010101" charset="-128"/>
+                <a:ea typeface="Yu Gothic UI Semibold" charset="-128"/>
               </a:rPr>
               <a:t>                                </a:t>
             </a:r>
             <a:endParaRPr lang="zh-CN" altLang="en-US" sz="2800" u="sng">
               <a:latin typeface="icomoon" charset="0"/>
-              <a:ea typeface="Yu Gothic UI Semibold" panose="02010600030101010101" charset="-128"/>
+              <a:ea typeface="Yu Gothic UI Semibold" charset="-128"/>
             </a:endParaRPr>
           </a:p>
         </p:txBody>
@@ -15262,8 +15255,8 @@
                 <a:solidFill>
                   <a:schemeClr val="bg1"/>
                 </a:solidFill>
-                <a:latin typeface="Arial" panose="020B0604020202020204" pitchFamily="34" charset="0"/>
-                <a:ea typeface="Arial" panose="020B0604020202020204" pitchFamily="34" charset="0"/>
+                <a:latin typeface="Arial" pitchFamily="34" charset="0"/>
+                <a:ea typeface="Arial" pitchFamily="34" charset="0"/>
                 <a:sym typeface="+mn-ea"/>
               </a:rPr>
               <a:t> </a:t>
@@ -15273,8 +15266,8 @@
                 <a:solidFill>
                   <a:schemeClr val="bg1"/>
                 </a:solidFill>
-                <a:latin typeface="Arial" panose="020B0604020202020204" pitchFamily="34" charset="0"/>
-                <a:ea typeface="Arial" panose="020B0604020202020204" pitchFamily="34" charset="0"/>
+                <a:latin typeface="Arial" pitchFamily="34" charset="0"/>
+                <a:ea typeface="Arial" pitchFamily="34" charset="0"/>
                 <a:sym typeface="+mn-ea"/>
               </a:rPr>
               <a:t>YahBoom     </a:t>
@@ -15284,8 +15277,8 @@
                 <a:solidFill>
                   <a:schemeClr val="bg1"/>
                 </a:solidFill>
-                <a:latin typeface="Arial" panose="020B0604020202020204" pitchFamily="34" charset="0"/>
-                <a:ea typeface="Arial" panose="020B0604020202020204" pitchFamily="34" charset="0"/>
+                <a:latin typeface="Arial" pitchFamily="34" charset="0"/>
+                <a:ea typeface="Arial" pitchFamily="34" charset="0"/>
                 <a:sym typeface="+mn-ea"/>
               </a:rPr>
               <a:t>micro:bit</a:t>
@@ -15295,8 +15288,8 @@
                 <a:solidFill>
                   <a:schemeClr val="bg1"/>
                 </a:solidFill>
-                <a:latin typeface="Arial" panose="020B0604020202020204" pitchFamily="34" charset="0"/>
-                <a:ea typeface="Arial" panose="020B0604020202020204" pitchFamily="34" charset="0"/>
+                <a:latin typeface="Arial" pitchFamily="34" charset="0"/>
+                <a:ea typeface="Arial" pitchFamily="34" charset="0"/>
                 <a:sym typeface="+mn-ea"/>
               </a:rPr>
               <a:t> video tutorial</a:t>
@@ -15333,8 +15326,8 @@
                     <a:lumMod val="75000"/>
                   </a:schemeClr>
                 </a:solidFill>
-                <a:latin typeface="Arial" panose="020B0604020202020204" pitchFamily="34" charset="0"/>
-                <a:ea typeface="Arial" panose="020B0604020202020204" pitchFamily="34" charset="0"/>
+                <a:latin typeface="Arial" pitchFamily="34" charset="0"/>
+                <a:ea typeface="Arial" pitchFamily="34" charset="0"/>
                 <a:sym typeface="+mn-ea"/>
               </a:rPr>
               <a:t>Part 3</a:t>
@@ -15345,8 +15338,8 @@
                   <a:lumMod val="75000"/>
                 </a:schemeClr>
               </a:solidFill>
-              <a:latin typeface="Arial" panose="020B0604020202020204" pitchFamily="34" charset="0"/>
-              <a:ea typeface="Arial" panose="020B0604020202020204" pitchFamily="34" charset="0"/>
+              <a:latin typeface="Arial" pitchFamily="34" charset="0"/>
+              <a:ea typeface="Arial" pitchFamily="34" charset="0"/>
               <a:sym typeface="+mn-ea"/>
             </a:endParaRPr>
           </a:p>
@@ -15603,8 +15596,8 @@
                     <a:lumMod val="75000"/>
                   </a:schemeClr>
                 </a:solidFill>
-                <a:latin typeface="Arial" panose="020B0604020202020204" pitchFamily="34" charset="0"/>
-                <a:ea typeface="Arial" panose="020B0604020202020204" pitchFamily="34" charset="0"/>
+                <a:latin typeface="Arial" pitchFamily="34" charset="0"/>
+                <a:ea typeface="Arial" pitchFamily="34" charset="0"/>
               </a:rPr>
               <a:t>Search for blocks</a:t>
             </a:r>
@@ -15614,8 +15607,8 @@
                   <a:lumMod val="75000"/>
                 </a:schemeClr>
               </a:solidFill>
-              <a:latin typeface="Arial" panose="020B0604020202020204" pitchFamily="34" charset="0"/>
-              <a:ea typeface="Arial" panose="020B0604020202020204" pitchFamily="34" charset="0"/>
+              <a:latin typeface="Arial" pitchFamily="34" charset="0"/>
+              <a:ea typeface="Arial" pitchFamily="34" charset="0"/>
             </a:endParaRPr>
           </a:p>
           <a:p>
@@ -15625,8 +15618,8 @@
                   <a:lumMod val="75000"/>
                 </a:schemeClr>
               </a:solidFill>
-              <a:latin typeface="Arial" panose="020B0604020202020204" pitchFamily="34" charset="0"/>
-              <a:ea typeface="Arial" panose="020B0604020202020204" pitchFamily="34" charset="0"/>
+              <a:latin typeface="Arial" pitchFamily="34" charset="0"/>
+              <a:ea typeface="Arial" pitchFamily="34" charset="0"/>
             </a:endParaRPr>
           </a:p>
         </p:txBody>
@@ -15699,8 +15692,8 @@
                 <a:solidFill>
                   <a:schemeClr val="bg1"/>
                 </a:solidFill>
-                <a:latin typeface="Arial" panose="020B0604020202020204" pitchFamily="34" charset="0"/>
-                <a:ea typeface="Arial" panose="020B0604020202020204" pitchFamily="34" charset="0"/>
+                <a:latin typeface="Arial" pitchFamily="34" charset="0"/>
+                <a:ea typeface="Arial" pitchFamily="34" charset="0"/>
               </a:rPr>
               <a:t>                     </a:t>
             </a:r>
@@ -15709,8 +15702,8 @@
                 <a:solidFill>
                   <a:schemeClr val="bg1"/>
                 </a:solidFill>
-                <a:latin typeface="Arial" panose="020B0604020202020204" pitchFamily="34" charset="0"/>
-                <a:ea typeface="Arial" panose="020B0604020202020204" pitchFamily="34" charset="0"/>
+                <a:latin typeface="Arial" pitchFamily="34" charset="0"/>
+                <a:ea typeface="Arial" pitchFamily="34" charset="0"/>
               </a:rPr>
               <a:t>            </a:t>
             </a:r>
@@ -15719,8 +15712,8 @@
                 <a:solidFill>
                   <a:schemeClr val="bg1"/>
                 </a:solidFill>
-                <a:latin typeface="Arial" panose="020B0604020202020204" pitchFamily="34" charset="0"/>
-                <a:ea typeface="Arial" panose="020B0604020202020204" pitchFamily="34" charset="0"/>
+                <a:latin typeface="Arial" pitchFamily="34" charset="0"/>
+                <a:ea typeface="Arial" pitchFamily="34" charset="0"/>
               </a:rPr>
               <a:t>micro:bit</a:t>
             </a:r>
@@ -15729,8 +15722,8 @@
                 <a:solidFill>
                   <a:schemeClr val="bg1"/>
                 </a:solidFill>
-                <a:latin typeface="Arial" panose="020B0604020202020204" pitchFamily="34" charset="0"/>
-                <a:ea typeface="Arial" panose="020B0604020202020204" pitchFamily="34" charset="0"/>
+                <a:latin typeface="Arial" pitchFamily="34" charset="0"/>
+                <a:ea typeface="Arial" pitchFamily="34" charset="0"/>
                 <a:sym typeface="+mn-ea"/>
               </a:rPr>
               <a:t> robot entry tutorial</a:t>
@@ -15740,21 +15733,21 @@
                 <a:solidFill>
                   <a:schemeClr val="bg1"/>
                 </a:solidFill>
-                <a:latin typeface="Arial" panose="020B0604020202020204" pitchFamily="34" charset="0"/>
-                <a:ea typeface="Arial" panose="020B0604020202020204" pitchFamily="34" charset="0"/>
+                <a:latin typeface="Arial" pitchFamily="34" charset="0"/>
+                <a:ea typeface="Arial" pitchFamily="34" charset="0"/>
               </a:rPr>
               <a:t> </a:t>
             </a:r>
             <a:r>
               <a:rPr lang="zh-CN" altLang="en-US" sz="2800" u="sng">
                 <a:latin typeface="icomoon" charset="0"/>
-                <a:ea typeface="Yu Gothic UI Semibold" panose="02010600030101010101" charset="-128"/>
+                <a:ea typeface="Yu Gothic UI Semibold" charset="-128"/>
               </a:rPr>
               <a:t>                                </a:t>
             </a:r>
             <a:endParaRPr lang="zh-CN" altLang="en-US" sz="2800" u="sng">
               <a:latin typeface="icomoon" charset="0"/>
-              <a:ea typeface="Yu Gothic UI Semibold" panose="02010600030101010101" charset="-128"/>
+              <a:ea typeface="Yu Gothic UI Semibold" charset="-128"/>
             </a:endParaRPr>
           </a:p>
         </p:txBody>
@@ -15811,8 +15804,8 @@
                     <a:lumMod val="75000"/>
                   </a:schemeClr>
                 </a:solidFill>
-                <a:latin typeface="Arial" panose="020B0604020202020204" pitchFamily="34" charset="0"/>
-                <a:ea typeface="Arial" panose="020B0604020202020204" pitchFamily="34" charset="0"/>
+                <a:latin typeface="Arial" pitchFamily="34" charset="0"/>
+                <a:ea typeface="Arial" pitchFamily="34" charset="0"/>
                 <a:sym typeface="+mn-ea"/>
               </a:rPr>
               <a:t>Part 3</a:t>
@@ -15823,8 +15816,8 @@
                   <a:lumMod val="75000"/>
                 </a:schemeClr>
               </a:solidFill>
-              <a:latin typeface="Arial" panose="020B0604020202020204" pitchFamily="34" charset="0"/>
-              <a:ea typeface="Arial" panose="020B0604020202020204" pitchFamily="34" charset="0"/>
+              <a:latin typeface="Arial" pitchFamily="34" charset="0"/>
+              <a:ea typeface="Arial" pitchFamily="34" charset="0"/>
               <a:sym typeface="+mn-ea"/>
             </a:endParaRPr>
           </a:p>
@@ -16448,8 +16441,8 @@
                 <a:solidFill>
                   <a:schemeClr val="bg1"/>
                 </a:solidFill>
-                <a:latin typeface="Arial" panose="020B0604020202020204" pitchFamily="34" charset="0"/>
-                <a:ea typeface="Arial" panose="020B0604020202020204" pitchFamily="34" charset="0"/>
+                <a:latin typeface="Arial" pitchFamily="34" charset="0"/>
+                <a:ea typeface="Arial" pitchFamily="34" charset="0"/>
                 <a:sym typeface="+mn-ea"/>
               </a:rPr>
               <a:t> </a:t>
@@ -16459,8 +16452,8 @@
                 <a:solidFill>
                   <a:schemeClr val="bg1"/>
                 </a:solidFill>
-                <a:latin typeface="Arial" panose="020B0604020202020204" pitchFamily="34" charset="0"/>
-                <a:ea typeface="Arial" panose="020B0604020202020204" pitchFamily="34" charset="0"/>
+                <a:latin typeface="Arial" pitchFamily="34" charset="0"/>
+                <a:ea typeface="Arial" pitchFamily="34" charset="0"/>
                 <a:sym typeface="+mn-ea"/>
               </a:rPr>
               <a:t>YahBoom     </a:t>
@@ -16470,8 +16463,8 @@
                 <a:solidFill>
                   <a:schemeClr val="bg1"/>
                 </a:solidFill>
-                <a:latin typeface="Arial" panose="020B0604020202020204" pitchFamily="34" charset="0"/>
-                <a:ea typeface="Arial" panose="020B0604020202020204" pitchFamily="34" charset="0"/>
+                <a:latin typeface="Arial" pitchFamily="34" charset="0"/>
+                <a:ea typeface="Arial" pitchFamily="34" charset="0"/>
                 <a:sym typeface="+mn-ea"/>
               </a:rPr>
               <a:t>micro:bit</a:t>
@@ -16481,8 +16474,8 @@
                 <a:solidFill>
                   <a:schemeClr val="bg1"/>
                 </a:solidFill>
-                <a:latin typeface="Arial" panose="020B0604020202020204" pitchFamily="34" charset="0"/>
-                <a:ea typeface="Arial" panose="020B0604020202020204" pitchFamily="34" charset="0"/>
+                <a:latin typeface="Arial" pitchFamily="34" charset="0"/>
+                <a:ea typeface="Arial" pitchFamily="34" charset="0"/>
                 <a:sym typeface="+mn-ea"/>
               </a:rPr>
               <a:t> video tutorial</a:t>
@@ -16543,8 +16536,8 @@
                     <a:lumMod val="75000"/>
                   </a:schemeClr>
                 </a:solidFill>
-                <a:latin typeface="Arial" panose="020B0604020202020204" pitchFamily="34" charset="0"/>
-                <a:ea typeface="Arial" panose="020B0604020202020204" pitchFamily="34" charset="0"/>
+                <a:latin typeface="Arial" pitchFamily="34" charset="0"/>
+                <a:ea typeface="Arial" pitchFamily="34" charset="0"/>
               </a:rPr>
               <a:t>Search for blocks</a:t>
             </a:r>
@@ -16554,8 +16547,8 @@
                   <a:lumMod val="75000"/>
                 </a:schemeClr>
               </a:solidFill>
-              <a:latin typeface="Arial" panose="020B0604020202020204" pitchFamily="34" charset="0"/>
-              <a:ea typeface="Arial" panose="020B0604020202020204" pitchFamily="34" charset="0"/>
+              <a:latin typeface="Arial" pitchFamily="34" charset="0"/>
+              <a:ea typeface="Arial" pitchFamily="34" charset="0"/>
             </a:endParaRPr>
           </a:p>
           <a:p>
@@ -16565,8 +16558,8 @@
                   <a:lumMod val="75000"/>
                 </a:schemeClr>
               </a:solidFill>
-              <a:latin typeface="Arial" panose="020B0604020202020204" pitchFamily="34" charset="0"/>
-              <a:ea typeface="Arial" panose="020B0604020202020204" pitchFamily="34" charset="0"/>
+              <a:latin typeface="Arial" pitchFamily="34" charset="0"/>
+              <a:ea typeface="Arial" pitchFamily="34" charset="0"/>
             </a:endParaRPr>
           </a:p>
         </p:txBody>
@@ -16615,8 +16608,8 @@
                 <a:solidFill>
                   <a:schemeClr val="bg1"/>
                 </a:solidFill>
-                <a:latin typeface="Arial" panose="020B0604020202020204" pitchFamily="34" charset="0"/>
-                <a:ea typeface="Arial" panose="020B0604020202020204" pitchFamily="34" charset="0"/>
+                <a:latin typeface="Arial" pitchFamily="34" charset="0"/>
+                <a:ea typeface="Arial" pitchFamily="34" charset="0"/>
               </a:rPr>
               <a:t>          </a:t>
             </a:r>
@@ -16625,8 +16618,8 @@
                 <a:solidFill>
                   <a:schemeClr val="bg1"/>
                 </a:solidFill>
-                <a:latin typeface="Arial" panose="020B0604020202020204" pitchFamily="34" charset="0"/>
-                <a:ea typeface="Arial" panose="020B0604020202020204" pitchFamily="34" charset="0"/>
+                <a:latin typeface="Arial" pitchFamily="34" charset="0"/>
+                <a:ea typeface="Arial" pitchFamily="34" charset="0"/>
               </a:rPr>
               <a:t>                    </a:t>
             </a:r>
@@ -16635,8 +16628,8 @@
                 <a:solidFill>
                   <a:schemeClr val="bg1"/>
                 </a:solidFill>
-                <a:latin typeface="Arial" panose="020B0604020202020204" pitchFamily="34" charset="0"/>
-                <a:ea typeface="Arial" panose="020B0604020202020204" pitchFamily="34" charset="0"/>
+                <a:latin typeface="Arial" pitchFamily="34" charset="0"/>
+                <a:ea typeface="Arial" pitchFamily="34" charset="0"/>
               </a:rPr>
               <a:t>micro:bit</a:t>
             </a:r>
@@ -16645,8 +16638,8 @@
                 <a:solidFill>
                   <a:schemeClr val="bg1"/>
                 </a:solidFill>
-                <a:latin typeface="Arial" panose="020B0604020202020204" pitchFamily="34" charset="0"/>
-                <a:ea typeface="Arial" panose="020B0604020202020204" pitchFamily="34" charset="0"/>
+                <a:latin typeface="Arial" pitchFamily="34" charset="0"/>
+                <a:ea typeface="Arial" pitchFamily="34" charset="0"/>
                 <a:sym typeface="+mn-ea"/>
               </a:rPr>
               <a:t> robot entry tutorial</a:t>
@@ -16656,21 +16649,21 @@
                 <a:solidFill>
                   <a:schemeClr val="bg1"/>
                 </a:solidFill>
-                <a:latin typeface="Arial" panose="020B0604020202020204" pitchFamily="34" charset="0"/>
-                <a:ea typeface="Arial" panose="020B0604020202020204" pitchFamily="34" charset="0"/>
+                <a:latin typeface="Arial" pitchFamily="34" charset="0"/>
+                <a:ea typeface="Arial" pitchFamily="34" charset="0"/>
               </a:rPr>
               <a:t> </a:t>
             </a:r>
             <a:r>
               <a:rPr lang="zh-CN" altLang="en-US" sz="2800" u="sng">
                 <a:latin typeface="icomoon" charset="0"/>
-                <a:ea typeface="Yu Gothic UI Semibold" panose="02010600030101010101" charset="-128"/>
+                <a:ea typeface="Yu Gothic UI Semibold" charset="-128"/>
               </a:rPr>
               <a:t>                                </a:t>
             </a:r>
             <a:endParaRPr lang="zh-CN" altLang="en-US" sz="2800" u="sng">
               <a:latin typeface="icomoon" charset="0"/>
-              <a:ea typeface="Yu Gothic UI Semibold" panose="02010600030101010101" charset="-128"/>
+              <a:ea typeface="Yu Gothic UI Semibold" charset="-128"/>
             </a:endParaRPr>
           </a:p>
         </p:txBody>
@@ -16727,8 +16720,8 @@
                     <a:lumMod val="75000"/>
                   </a:schemeClr>
                 </a:solidFill>
-                <a:latin typeface="Arial" panose="020B0604020202020204" pitchFamily="34" charset="0"/>
-                <a:ea typeface="Arial" panose="020B0604020202020204" pitchFamily="34" charset="0"/>
+                <a:latin typeface="Arial" pitchFamily="34" charset="0"/>
+                <a:ea typeface="Arial" pitchFamily="34" charset="0"/>
                 <a:sym typeface="+mn-ea"/>
               </a:rPr>
               <a:t>Part 4</a:t>
@@ -16739,8 +16732,8 @@
                   <a:lumMod val="75000"/>
                 </a:schemeClr>
               </a:solidFill>
-              <a:latin typeface="Arial" panose="020B0604020202020204" pitchFamily="34" charset="0"/>
-              <a:ea typeface="Arial" panose="020B0604020202020204" pitchFamily="34" charset="0"/>
+              <a:latin typeface="Arial" pitchFamily="34" charset="0"/>
+              <a:ea typeface="Arial" pitchFamily="34" charset="0"/>
               <a:sym typeface="+mn-ea"/>
             </a:endParaRPr>
           </a:p>
@@ -17364,8 +17357,8 @@
                 <a:solidFill>
                   <a:schemeClr val="bg1"/>
                 </a:solidFill>
-                <a:latin typeface="Arial" panose="020B0604020202020204" pitchFamily="34" charset="0"/>
-                <a:ea typeface="Arial" panose="020B0604020202020204" pitchFamily="34" charset="0"/>
+                <a:latin typeface="Arial" pitchFamily="34" charset="0"/>
+                <a:ea typeface="Arial" pitchFamily="34" charset="0"/>
                 <a:sym typeface="+mn-ea"/>
               </a:rPr>
               <a:t> </a:t>
@@ -17375,8 +17368,8 @@
                 <a:solidFill>
                   <a:schemeClr val="bg1"/>
                 </a:solidFill>
-                <a:latin typeface="Arial" panose="020B0604020202020204" pitchFamily="34" charset="0"/>
-                <a:ea typeface="Arial" panose="020B0604020202020204" pitchFamily="34" charset="0"/>
+                <a:latin typeface="Arial" pitchFamily="34" charset="0"/>
+                <a:ea typeface="Arial" pitchFamily="34" charset="0"/>
                 <a:sym typeface="+mn-ea"/>
               </a:rPr>
               <a:t>YahBoom     </a:t>
@@ -17386,8 +17379,8 @@
                 <a:solidFill>
                   <a:schemeClr val="bg1"/>
                 </a:solidFill>
-                <a:latin typeface="Arial" panose="020B0604020202020204" pitchFamily="34" charset="0"/>
-                <a:ea typeface="Arial" panose="020B0604020202020204" pitchFamily="34" charset="0"/>
+                <a:latin typeface="Arial" pitchFamily="34" charset="0"/>
+                <a:ea typeface="Arial" pitchFamily="34" charset="0"/>
                 <a:sym typeface="+mn-ea"/>
               </a:rPr>
               <a:t>micro:bit</a:t>
@@ -17397,8 +17390,8 @@
                 <a:solidFill>
                   <a:schemeClr val="bg1"/>
                 </a:solidFill>
-                <a:latin typeface="Arial" panose="020B0604020202020204" pitchFamily="34" charset="0"/>
-                <a:ea typeface="Arial" panose="020B0604020202020204" pitchFamily="34" charset="0"/>
+                <a:latin typeface="Arial" pitchFamily="34" charset="0"/>
+                <a:ea typeface="Arial" pitchFamily="34" charset="0"/>
                 <a:sym typeface="+mn-ea"/>
               </a:rPr>
               <a:t> video tutorial</a:t>
@@ -17435,8 +17428,8 @@
                     <a:lumMod val="75000"/>
                   </a:schemeClr>
                 </a:solidFill>
-                <a:latin typeface="Arial" panose="020B0604020202020204" pitchFamily="34" charset="0"/>
-                <a:ea typeface="Arial" panose="020B0604020202020204" pitchFamily="34" charset="0"/>
+                <a:latin typeface="Arial" pitchFamily="34" charset="0"/>
+                <a:ea typeface="Arial" pitchFamily="34" charset="0"/>
               </a:rPr>
               <a:t>Combine blocks</a:t>
             </a:r>
@@ -17446,8 +17439,8 @@
                   <a:lumMod val="75000"/>
                 </a:schemeClr>
               </a:solidFill>
-              <a:latin typeface="Arial" panose="020B0604020202020204" pitchFamily="34" charset="0"/>
-              <a:ea typeface="Arial" panose="020B0604020202020204" pitchFamily="34" charset="0"/>
+              <a:latin typeface="Arial" pitchFamily="34" charset="0"/>
+              <a:ea typeface="Arial" pitchFamily="34" charset="0"/>
             </a:endParaRPr>
           </a:p>
         </p:txBody>
@@ -17520,8 +17513,8 @@
                 <a:solidFill>
                   <a:schemeClr val="bg1"/>
                 </a:solidFill>
-                <a:latin typeface="Arial" panose="020B0604020202020204" pitchFamily="34" charset="0"/>
-                <a:ea typeface="Arial" panose="020B0604020202020204" pitchFamily="34" charset="0"/>
+                <a:latin typeface="Arial" pitchFamily="34" charset="0"/>
+                <a:ea typeface="Arial" pitchFamily="34" charset="0"/>
               </a:rPr>
               <a:t>          </a:t>
             </a:r>
@@ -17530,8 +17523,8 @@
                 <a:solidFill>
                   <a:schemeClr val="bg1"/>
                 </a:solidFill>
-                <a:latin typeface="Arial" panose="020B0604020202020204" pitchFamily="34" charset="0"/>
-                <a:ea typeface="Arial" panose="020B0604020202020204" pitchFamily="34" charset="0"/>
+                <a:latin typeface="Arial" pitchFamily="34" charset="0"/>
+                <a:ea typeface="Arial" pitchFamily="34" charset="0"/>
               </a:rPr>
               <a:t>                    </a:t>
             </a:r>
@@ -17540,8 +17533,8 @@
                 <a:solidFill>
                   <a:schemeClr val="bg1"/>
                 </a:solidFill>
-                <a:latin typeface="Arial" panose="020B0604020202020204" pitchFamily="34" charset="0"/>
-                <a:ea typeface="Arial" panose="020B0604020202020204" pitchFamily="34" charset="0"/>
+                <a:latin typeface="Arial" pitchFamily="34" charset="0"/>
+                <a:ea typeface="Arial" pitchFamily="34" charset="0"/>
               </a:rPr>
               <a:t>micro:bit</a:t>
             </a:r>
@@ -17550,8 +17543,8 @@
                 <a:solidFill>
                   <a:schemeClr val="bg1"/>
                 </a:solidFill>
-                <a:latin typeface="Arial" panose="020B0604020202020204" pitchFamily="34" charset="0"/>
-                <a:ea typeface="Arial" panose="020B0604020202020204" pitchFamily="34" charset="0"/>
+                <a:latin typeface="Arial" pitchFamily="34" charset="0"/>
+                <a:ea typeface="Arial" pitchFamily="34" charset="0"/>
                 <a:sym typeface="+mn-ea"/>
               </a:rPr>
               <a:t> robot entry tutorial</a:t>
@@ -17561,21 +17554,21 @@
                 <a:solidFill>
                   <a:schemeClr val="bg1"/>
                 </a:solidFill>
-                <a:latin typeface="Arial" panose="020B0604020202020204" pitchFamily="34" charset="0"/>
-                <a:ea typeface="Arial" panose="020B0604020202020204" pitchFamily="34" charset="0"/>
+                <a:latin typeface="Arial" pitchFamily="34" charset="0"/>
+                <a:ea typeface="Arial" pitchFamily="34" charset="0"/>
               </a:rPr>
               <a:t> </a:t>
             </a:r>
             <a:r>
               <a:rPr lang="zh-CN" altLang="en-US" sz="2800" u="sng">
                 <a:latin typeface="icomoon" charset="0"/>
-                <a:ea typeface="Yu Gothic UI Semibold" panose="02010600030101010101" charset="-128"/>
+                <a:ea typeface="Yu Gothic UI Semibold" charset="-128"/>
               </a:rPr>
               <a:t>                                </a:t>
             </a:r>
             <a:endParaRPr lang="zh-CN" altLang="en-US" sz="2800" u="sng">
               <a:latin typeface="icomoon" charset="0"/>
-              <a:ea typeface="Yu Gothic UI Semibold" panose="02010600030101010101" charset="-128"/>
+              <a:ea typeface="Yu Gothic UI Semibold" charset="-128"/>
             </a:endParaRPr>
           </a:p>
         </p:txBody>
@@ -17632,8 +17625,8 @@
                     <a:lumMod val="75000"/>
                   </a:schemeClr>
                 </a:solidFill>
-                <a:latin typeface="Arial" panose="020B0604020202020204" pitchFamily="34" charset="0"/>
-                <a:ea typeface="Arial" panose="020B0604020202020204" pitchFamily="34" charset="0"/>
+                <a:latin typeface="Arial" pitchFamily="34" charset="0"/>
+                <a:ea typeface="Arial" pitchFamily="34" charset="0"/>
                 <a:sym typeface="+mn-ea"/>
               </a:rPr>
               <a:t>Part 5</a:t>
@@ -17644,8 +17637,8 @@
                   <a:lumMod val="75000"/>
                 </a:schemeClr>
               </a:solidFill>
-              <a:latin typeface="Arial" panose="020B0604020202020204" pitchFamily="34" charset="0"/>
-              <a:ea typeface="Arial" panose="020B0604020202020204" pitchFamily="34" charset="0"/>
+              <a:latin typeface="Arial" pitchFamily="34" charset="0"/>
+              <a:ea typeface="Arial" pitchFamily="34" charset="0"/>
               <a:sym typeface="+mn-ea"/>
             </a:endParaRPr>
           </a:p>
@@ -17902,8 +17895,8 @@
                     <a:lumMod val="75000"/>
                   </a:schemeClr>
                 </a:solidFill>
-                <a:latin typeface="Arial" panose="020B0604020202020204" pitchFamily="34" charset="0"/>
-                <a:ea typeface="Arial" panose="020B0604020202020204" pitchFamily="34" charset="0"/>
+                <a:latin typeface="Arial" pitchFamily="34" charset="0"/>
+                <a:ea typeface="Arial" pitchFamily="34" charset="0"/>
               </a:rPr>
               <a:t>Attentions</a:t>
             </a:r>
@@ -17913,8 +17906,8 @@
                   <a:lumMod val="75000"/>
                 </a:schemeClr>
               </a:solidFill>
-              <a:latin typeface="Arial" panose="020B0604020202020204" pitchFamily="34" charset="0"/>
-              <a:ea typeface="Arial" panose="020B0604020202020204" pitchFamily="34" charset="0"/>
+              <a:latin typeface="Arial" pitchFamily="34" charset="0"/>
+              <a:ea typeface="Arial" pitchFamily="34" charset="0"/>
             </a:endParaRPr>
           </a:p>
         </p:txBody>
@@ -18314,8 +18307,8 @@
                 <a:solidFill>
                   <a:schemeClr val="bg1"/>
                 </a:solidFill>
-                <a:latin typeface="Arial" panose="020B0604020202020204" pitchFamily="34" charset="0"/>
-                <a:ea typeface="Arial" panose="020B0604020202020204" pitchFamily="34" charset="0"/>
+                <a:latin typeface="Arial" pitchFamily="34" charset="0"/>
+                <a:ea typeface="Arial" pitchFamily="34" charset="0"/>
                 <a:sym typeface="+mn-ea"/>
               </a:rPr>
               <a:t> </a:t>
@@ -18325,8 +18318,8 @@
                 <a:solidFill>
                   <a:schemeClr val="bg1"/>
                 </a:solidFill>
-                <a:latin typeface="Arial" panose="020B0604020202020204" pitchFamily="34" charset="0"/>
-                <a:ea typeface="Arial" panose="020B0604020202020204" pitchFamily="34" charset="0"/>
+                <a:latin typeface="Arial" pitchFamily="34" charset="0"/>
+                <a:ea typeface="Arial" pitchFamily="34" charset="0"/>
                 <a:sym typeface="+mn-ea"/>
               </a:rPr>
               <a:t>YahBoom     </a:t>
@@ -18336,8 +18329,8 @@
                 <a:solidFill>
                   <a:schemeClr val="bg1"/>
                 </a:solidFill>
-                <a:latin typeface="Arial" panose="020B0604020202020204" pitchFamily="34" charset="0"/>
-                <a:ea typeface="Arial" panose="020B0604020202020204" pitchFamily="34" charset="0"/>
+                <a:latin typeface="Arial" pitchFamily="34" charset="0"/>
+                <a:ea typeface="Arial" pitchFamily="34" charset="0"/>
                 <a:sym typeface="+mn-ea"/>
               </a:rPr>
               <a:t>micro:bit</a:t>
@@ -18347,8 +18340,8 @@
                 <a:solidFill>
                   <a:schemeClr val="bg1"/>
                 </a:solidFill>
-                <a:latin typeface="Arial" panose="020B0604020202020204" pitchFamily="34" charset="0"/>
-                <a:ea typeface="Arial" panose="020B0604020202020204" pitchFamily="34" charset="0"/>
+                <a:latin typeface="Arial" pitchFamily="34" charset="0"/>
+                <a:ea typeface="Arial" pitchFamily="34" charset="0"/>
                 <a:sym typeface="+mn-ea"/>
               </a:rPr>
               <a:t> video tutorial</a:t>
@@ -18365,8 +18358,8 @@
         </p:nvSpPr>
         <p:spPr>
           <a:xfrm>
-            <a:off x="3108325" y="2701290"/>
-            <a:ext cx="8419465" cy="1753235"/>
+            <a:off x="2981960" y="1757680"/>
+            <a:ext cx="8301990" cy="2011680"/>
           </a:xfrm>
           <a:prstGeom prst="rect">
             <a:avLst/>
@@ -18383,42 +18376,116 @@
           <a:p>
             <a:pPr indent="0"/>
             <a:r>
-              <a:rPr lang="en-US" altLang="zh-CN" sz="2400" b="0">
-                <a:latin typeface="Arial" panose="020B0604020202020204" pitchFamily="34" charset="0"/>
-                <a:ea typeface="Arial" panose="020B0604020202020204" pitchFamily="34" charset="0"/>
-                <a:cs typeface="宋体" panose="02010600030101010101" pitchFamily="2" charset="-122"/>
-              </a:rPr>
-              <a:t>      </a:t>
-            </a:r>
-            <a:r>
-              <a:rPr lang="en-US" altLang="zh-CN" sz="3600" b="0">
+              <a:rPr lang="en-US" b="0">
                 <a:solidFill>
                   <a:srgbClr val="FF0000"/>
                 </a:solidFill>
-                <a:latin typeface="Arial" panose="020B0604020202020204" pitchFamily="34" charset="0"/>
-                <a:ea typeface="Arial" panose="020B0604020202020204" pitchFamily="34" charset="0"/>
-                <a:cs typeface="宋体" panose="02010600030101010101" pitchFamily="2" charset="-122"/>
+                <a:latin typeface="Arial" pitchFamily="34" charset="0"/>
+                <a:ea typeface="Arial" pitchFamily="34" charset="0"/>
+                <a:cs typeface="宋体" pitchFamily="2" charset="-122"/>
               </a:rPr>
-              <a:t> </a:t>
-            </a:r>
-            <a:r>
-              <a:rPr sz="3600" b="0">
+              <a:t>1.</a:t>
+            </a:r>
+            <a:r>
+              <a:rPr b="0">
                 <a:solidFill>
                   <a:srgbClr val="FF0000"/>
                 </a:solidFill>
-                <a:latin typeface="Arial" panose="020B0604020202020204" pitchFamily="34" charset="0"/>
-                <a:ea typeface="Arial" panose="020B0604020202020204" pitchFamily="34" charset="0"/>
-                <a:cs typeface="宋体" panose="02010600030101010101" pitchFamily="2" charset="-122"/>
+                <a:latin typeface="Arial" pitchFamily="34" charset="0"/>
+                <a:ea typeface="Arial" pitchFamily="34" charset="0"/>
+                <a:cs typeface="宋体" pitchFamily="2" charset="-122"/>
               </a:rPr>
               <a:t>This experiment must be carried out indoors to reduce interference from sunlight to infrared receiver.</a:t>
             </a:r>
-            <a:endParaRPr sz="3600" b="0">
+            <a:endParaRPr b="0">
               <a:solidFill>
                 <a:srgbClr val="FF0000"/>
               </a:solidFill>
-              <a:latin typeface="Arial" panose="020B0604020202020204" pitchFamily="34" charset="0"/>
-              <a:ea typeface="Arial" panose="020B0604020202020204" pitchFamily="34" charset="0"/>
-              <a:cs typeface="宋体" panose="02010600030101010101" pitchFamily="2" charset="-122"/>
+              <a:latin typeface="Arial" pitchFamily="34" charset="0"/>
+              <a:ea typeface="Arial" pitchFamily="34" charset="0"/>
+              <a:cs typeface="宋体" pitchFamily="2" charset="-122"/>
+            </a:endParaRPr>
+          </a:p>
+          <a:p>
+            <a:pPr indent="0"/>
+            <a:endParaRPr b="0">
+              <a:solidFill>
+                <a:srgbClr val="FF0000"/>
+              </a:solidFill>
+              <a:latin typeface="Arial" pitchFamily="34" charset="0"/>
+              <a:ea typeface="Arial" pitchFamily="34" charset="0"/>
+              <a:cs typeface="宋体" pitchFamily="2" charset="-122"/>
+            </a:endParaRPr>
+          </a:p>
+          <a:p>
+            <a:pPr indent="0"/>
+            <a:r>
+              <a:rPr>
+                <a:solidFill>
+                  <a:srgbClr val="FF0000"/>
+                </a:solidFill>
+                <a:latin typeface="Arial" pitchFamily="34" charset="0"/>
+                <a:ea typeface="Arial" pitchFamily="34" charset="0"/>
+                <a:cs typeface="宋体" pitchFamily="2" charset="-122"/>
+                <a:sym typeface="+mn-ea"/>
+              </a:rPr>
+              <a:t>2. Note:Because the infrared obstacle avoidance function of the car uses P3 (infrared receiver) and P9 pin (infrared emission) of the micro:bit board</a:t>
+            </a:r>
+            <a:r>
+              <a:rPr lang="en-US">
+                <a:solidFill>
+                  <a:srgbClr val="FF0000"/>
+                </a:solidFill>
+                <a:latin typeface="Arial" pitchFamily="34" charset="0"/>
+                <a:ea typeface="Arial" pitchFamily="34" charset="0"/>
+                <a:cs typeface="宋体" pitchFamily="2" charset="-122"/>
+                <a:sym typeface="+mn-ea"/>
+              </a:rPr>
+              <a:t>.</a:t>
+            </a:r>
+            <a:r>
+              <a:rPr>
+                <a:solidFill>
+                  <a:srgbClr val="FF0000"/>
+                </a:solidFill>
+                <a:latin typeface="Arial" pitchFamily="34" charset="0"/>
+                <a:ea typeface="Arial" pitchFamily="34" charset="0"/>
+                <a:cs typeface="宋体" pitchFamily="2" charset="-122"/>
+                <a:sym typeface="+mn-ea"/>
+              </a:rPr>
+              <a:t> </a:t>
+            </a:r>
+            <a:r>
+              <a:rPr lang="en-US">
+                <a:solidFill>
+                  <a:srgbClr val="FF0000"/>
+                </a:solidFill>
+                <a:latin typeface="Arial" pitchFamily="34" charset="0"/>
+                <a:ea typeface="Arial" pitchFamily="34" charset="0"/>
+                <a:cs typeface="宋体" pitchFamily="2" charset="-122"/>
+                <a:sym typeface="+mn-ea"/>
+              </a:rPr>
+              <a:t>T</a:t>
+            </a:r>
+            <a:r>
+              <a:rPr>
+                <a:solidFill>
+                  <a:srgbClr val="FF0000"/>
+                </a:solidFill>
+                <a:latin typeface="Arial" pitchFamily="34" charset="0"/>
+                <a:ea typeface="Arial" pitchFamily="34" charset="0"/>
+                <a:cs typeface="宋体" pitchFamily="2" charset="-122"/>
+                <a:sym typeface="+mn-ea"/>
+              </a:rPr>
+              <a:t>hey are multiplexed with the pins of the micro:bit dot matrix. During the experiment, some LED lights on the dot matrix may flicker.</a:t>
+            </a:r>
+            <a:endParaRPr b="0">
+              <a:solidFill>
+                <a:srgbClr val="FF0000"/>
+              </a:solidFill>
+              <a:latin typeface="Arial" pitchFamily="34" charset="0"/>
+              <a:ea typeface="Arial" pitchFamily="34" charset="0"/>
+              <a:cs typeface="宋体" pitchFamily="2" charset="-122"/>
             </a:endParaRPr>
           </a:p>
         </p:txBody>
@@ -18622,6 +18689,8 @@
       </a:bgFillStyleLst>
     </a:fmtScheme>
   </a:themeElements>
+  <a:objectDefaults/>
+  <a:extraClrSchemeLst/>
   <a:extLst>
     <a:ext uri="{05A4C25C-085E-4340-85A3-A5531E510DB2}">
       <thm15:themeFamily xmlns:thm15="http://schemas.microsoft.com/office/thememl/2012/main" name="Office Theme" id="{62F939B6-93AF-4DB8-9C6B-D6C7DFDC589F}" vid="{4A3C46E8-61CC-4603-A589-7422A47A8E4A}"/>
@@ -18881,6 +18950,8 @@
       </a:bgFillStyleLst>
     </a:fmtScheme>
   </a:themeElements>
+  <a:objectDefaults/>
+  <a:extraClrSchemeLst/>
   <a:extLst>
     <a:ext uri="{05A4C25C-085E-4340-85A3-A5531E510DB2}">
       <thm15:themeFamily xmlns:thm15="http://schemas.microsoft.com/office/thememl/2012/main" name="Office Theme" id="{62F939B6-93AF-4DB8-9C6B-D6C7DFDC589F}" vid="{4A3C46E8-61CC-4603-A589-7422A47A8E4A}"/>
@@ -19140,6 +19211,8 @@
       </a:bgFillStyleLst>
     </a:fmtScheme>
   </a:themeElements>
+  <a:objectDefaults/>
+  <a:extraClrSchemeLst/>
   <a:extLst>
     <a:ext uri="{05A4C25C-085E-4340-85A3-A5531E510DB2}">
       <thm15:themeFamily xmlns:thm15="http://schemas.microsoft.com/office/thememl/2012/main" name="Office Theme" id="{62F939B6-93AF-4DB8-9C6B-D6C7DFDC589F}" vid="{4A3C46E8-61CC-4603-A589-7422A47A8E4A}"/>
